--- a/Doku/externalFiles/Kippmoment.pptx
+++ b/Doku/externalFiles/Kippmoment.pptx
@@ -2,12 +2,12 @@
 <file path=ppt/presentation.xml><?xml version="1.0" encoding="utf-8"?>
 <p:presentation xmlns:a="http://schemas.openxmlformats.org/drawingml/2006/main" xmlns:r="http://schemas.openxmlformats.org/officeDocument/2006/relationships" xmlns:p="http://schemas.openxmlformats.org/presentationml/2006/main" saveSubsetFonts="1" autoCompressPictures="0">
   <p:sldMasterIdLst>
-    <p:sldMasterId id="2147483672" r:id="rId1"/>
+    <p:sldMasterId id="2147483684" r:id="rId1"/>
   </p:sldMasterIdLst>
   <p:sldIdLst>
     <p:sldId id="256" r:id="rId2"/>
   </p:sldIdLst>
-  <p:sldSz cx="6119813" cy="6480175"/>
+  <p:sldSz cx="5400675" cy="6480175"/>
   <p:notesSz cx="6858000" cy="9144000"/>
   <p:defaultTextStyle>
     <a:defPPr>
@@ -104,6 +104,11 @@
       </a:defRPr>
     </a:lvl9pPr>
   </p:defaultTextStyle>
+  <p:extLst>
+    <p:ext uri="{EFAFB233-063F-42B5-8137-9DF3F51BA10A}">
+      <p15:sldGuideLst xmlns:p15="http://schemas.microsoft.com/office/powerpoint/2012/main"/>
+    </p:ext>
+  </p:extLst>
 </p:presentation>
 </file>
 
@@ -136,15 +141,15 @@
         </p:nvSpPr>
         <p:spPr>
           <a:xfrm>
-            <a:off x="458986" y="1060529"/>
-            <a:ext cx="5201841" cy="2256061"/>
+            <a:off x="405051" y="1060529"/>
+            <a:ext cx="4590574" cy="2256061"/>
           </a:xfrm>
         </p:spPr>
         <p:txBody>
           <a:bodyPr anchor="b"/>
           <a:lstStyle>
             <a:lvl1pPr algn="ctr">
-              <a:defRPr sz="4016"/>
+              <a:defRPr sz="3544"/>
             </a:lvl1pPr>
           </a:lstStyle>
           <a:p>
@@ -168,8 +173,8 @@
         </p:nvSpPr>
         <p:spPr>
           <a:xfrm>
-            <a:off x="764977" y="3403592"/>
-            <a:ext cx="4589860" cy="1564542"/>
+            <a:off x="675085" y="3403592"/>
+            <a:ext cx="4050506" cy="1564542"/>
           </a:xfrm>
         </p:spPr>
         <p:txBody>
@@ -177,39 +182,39 @@
           <a:lstStyle>
             <a:lvl1pPr marL="0" indent="0" algn="ctr">
               <a:buNone/>
-              <a:defRPr sz="1606"/>
+              <a:defRPr sz="1417"/>
             </a:lvl1pPr>
-            <a:lvl2pPr marL="306004" indent="0" algn="ctr">
-              <a:buNone/>
-              <a:defRPr sz="1339"/>
+            <a:lvl2pPr marL="270022" indent="0" algn="ctr">
+              <a:buNone/>
+              <a:defRPr sz="1181"/>
             </a:lvl2pPr>
-            <a:lvl3pPr marL="612008" indent="0" algn="ctr">
-              <a:buNone/>
-              <a:defRPr sz="1205"/>
+            <a:lvl3pPr marL="540045" indent="0" algn="ctr">
+              <a:buNone/>
+              <a:defRPr sz="1063"/>
             </a:lvl3pPr>
-            <a:lvl4pPr marL="918012" indent="0" algn="ctr">
-              <a:buNone/>
-              <a:defRPr sz="1071"/>
+            <a:lvl4pPr marL="810067" indent="0" algn="ctr">
+              <a:buNone/>
+              <a:defRPr sz="945"/>
             </a:lvl4pPr>
-            <a:lvl5pPr marL="1224016" indent="0" algn="ctr">
-              <a:buNone/>
-              <a:defRPr sz="1071"/>
+            <a:lvl5pPr marL="1080089" indent="0" algn="ctr">
+              <a:buNone/>
+              <a:defRPr sz="945"/>
             </a:lvl5pPr>
-            <a:lvl6pPr marL="1530020" indent="0" algn="ctr">
-              <a:buNone/>
-              <a:defRPr sz="1071"/>
+            <a:lvl6pPr marL="1350112" indent="0" algn="ctr">
+              <a:buNone/>
+              <a:defRPr sz="945"/>
             </a:lvl6pPr>
-            <a:lvl7pPr marL="1836024" indent="0" algn="ctr">
-              <a:buNone/>
-              <a:defRPr sz="1071"/>
+            <a:lvl7pPr marL="1620134" indent="0" algn="ctr">
+              <a:buNone/>
+              <a:defRPr sz="945"/>
             </a:lvl7pPr>
-            <a:lvl8pPr marL="2142028" indent="0" algn="ctr">
-              <a:buNone/>
-              <a:defRPr sz="1071"/>
+            <a:lvl8pPr marL="1890156" indent="0" algn="ctr">
+              <a:buNone/>
+              <a:defRPr sz="945"/>
             </a:lvl8pPr>
-            <a:lvl9pPr marL="2448032" indent="0" algn="ctr">
-              <a:buNone/>
-              <a:defRPr sz="1071"/>
+            <a:lvl9pPr marL="2160179" indent="0" algn="ctr">
+              <a:buNone/>
+              <a:defRPr sz="945"/>
             </a:lvl9pPr>
           </a:lstStyle>
           <a:p>
@@ -238,7 +243,7 @@
           <a:p>
             <a:fld id="{31F73CCE-56B5-1B42-9F53-9FD01235FE57}" type="datetimeFigureOut">
               <a:rPr lang="de-DE" smtClean="0"/>
-              <a:t>17.12.21</a:t>
+              <a:t>18.12.21</a:t>
             </a:fld>
             <a:endParaRPr lang="de-DE"/>
           </a:p>
@@ -289,7 +294,7 @@
     </p:spTree>
     <p:extLst>
       <p:ext uri="{BB962C8B-B14F-4D97-AF65-F5344CB8AC3E}">
-        <p14:creationId xmlns:p14="http://schemas.microsoft.com/office/powerpoint/2010/main" val="2969912322"/>
+        <p14:creationId xmlns:p14="http://schemas.microsoft.com/office/powerpoint/2010/main" val="3500466201"/>
       </p:ext>
     </p:extLst>
   </p:cSld>
@@ -408,7 +413,7 @@
           <a:p>
             <a:fld id="{31F73CCE-56B5-1B42-9F53-9FD01235FE57}" type="datetimeFigureOut">
               <a:rPr lang="de-DE" smtClean="0"/>
-              <a:t>17.12.21</a:t>
+              <a:t>18.12.21</a:t>
             </a:fld>
             <a:endParaRPr lang="de-DE"/>
           </a:p>
@@ -459,7 +464,7 @@
     </p:spTree>
     <p:extLst>
       <p:ext uri="{BB962C8B-B14F-4D97-AF65-F5344CB8AC3E}">
-        <p14:creationId xmlns:p14="http://schemas.microsoft.com/office/powerpoint/2010/main" val="2365484315"/>
+        <p14:creationId xmlns:p14="http://schemas.microsoft.com/office/powerpoint/2010/main" val="3653008455"/>
       </p:ext>
     </p:extLst>
   </p:cSld>
@@ -498,8 +503,8 @@
         </p:nvSpPr>
         <p:spPr>
           <a:xfrm>
-            <a:off x="4379491" y="345009"/>
-            <a:ext cx="1319585" cy="5491649"/>
+            <a:off x="3864858" y="345009"/>
+            <a:ext cx="1164521" cy="5491649"/>
           </a:xfrm>
         </p:spPr>
         <p:txBody>
@@ -526,8 +531,8 @@
         </p:nvSpPr>
         <p:spPr>
           <a:xfrm>
-            <a:off x="420738" y="345009"/>
-            <a:ext cx="3882256" cy="5491649"/>
+            <a:off x="371297" y="345009"/>
+            <a:ext cx="3426053" cy="5491649"/>
           </a:xfrm>
         </p:spPr>
         <p:txBody>
@@ -588,7 +593,7 @@
           <a:p>
             <a:fld id="{31F73CCE-56B5-1B42-9F53-9FD01235FE57}" type="datetimeFigureOut">
               <a:rPr lang="de-DE" smtClean="0"/>
-              <a:t>17.12.21</a:t>
+              <a:t>18.12.21</a:t>
             </a:fld>
             <a:endParaRPr lang="de-DE"/>
           </a:p>
@@ -639,7 +644,7 @@
     </p:spTree>
     <p:extLst>
       <p:ext uri="{BB962C8B-B14F-4D97-AF65-F5344CB8AC3E}">
-        <p14:creationId xmlns:p14="http://schemas.microsoft.com/office/powerpoint/2010/main" val="3607950240"/>
+        <p14:creationId xmlns:p14="http://schemas.microsoft.com/office/powerpoint/2010/main" val="1014632352"/>
       </p:ext>
     </p:extLst>
   </p:cSld>
@@ -758,7 +763,7 @@
           <a:p>
             <a:fld id="{31F73CCE-56B5-1B42-9F53-9FD01235FE57}" type="datetimeFigureOut">
               <a:rPr lang="de-DE" smtClean="0"/>
-              <a:t>17.12.21</a:t>
+              <a:t>18.12.21</a:t>
             </a:fld>
             <a:endParaRPr lang="de-DE"/>
           </a:p>
@@ -809,7 +814,7 @@
     </p:spTree>
     <p:extLst>
       <p:ext uri="{BB962C8B-B14F-4D97-AF65-F5344CB8AC3E}">
-        <p14:creationId xmlns:p14="http://schemas.microsoft.com/office/powerpoint/2010/main" val="1993343826"/>
+        <p14:creationId xmlns:p14="http://schemas.microsoft.com/office/powerpoint/2010/main" val="2596127236"/>
       </p:ext>
     </p:extLst>
   </p:cSld>
@@ -848,15 +853,15 @@
         </p:nvSpPr>
         <p:spPr>
           <a:xfrm>
-            <a:off x="417550" y="1615546"/>
-            <a:ext cx="5278339" cy="2695572"/>
+            <a:off x="368484" y="1615546"/>
+            <a:ext cx="4658082" cy="2695572"/>
           </a:xfrm>
         </p:spPr>
         <p:txBody>
           <a:bodyPr anchor="b"/>
           <a:lstStyle>
             <a:lvl1pPr>
-              <a:defRPr sz="4016"/>
+              <a:defRPr sz="3544"/>
             </a:lvl1pPr>
           </a:lstStyle>
           <a:p>
@@ -880,8 +885,8 @@
         </p:nvSpPr>
         <p:spPr>
           <a:xfrm>
-            <a:off x="417550" y="4336619"/>
-            <a:ext cx="5278339" cy="1417538"/>
+            <a:off x="368484" y="4336619"/>
+            <a:ext cx="4658082" cy="1417538"/>
           </a:xfrm>
         </p:spPr>
         <p:txBody>
@@ -889,15 +894,15 @@
           <a:lstStyle>
             <a:lvl1pPr marL="0" indent="0">
               <a:buNone/>
-              <a:defRPr sz="1606">
+              <a:defRPr sz="1417">
                 <a:solidFill>
                   <a:schemeClr val="tx1"/>
                 </a:solidFill>
               </a:defRPr>
             </a:lvl1pPr>
-            <a:lvl2pPr marL="306004" indent="0">
-              <a:buNone/>
-              <a:defRPr sz="1339">
+            <a:lvl2pPr marL="270022" indent="0">
+              <a:buNone/>
+              <a:defRPr sz="1181">
                 <a:solidFill>
                   <a:schemeClr val="tx1">
                     <a:tint val="75000"/>
@@ -905,9 +910,9 @@
                 </a:solidFill>
               </a:defRPr>
             </a:lvl2pPr>
-            <a:lvl3pPr marL="612008" indent="0">
-              <a:buNone/>
-              <a:defRPr sz="1205">
+            <a:lvl3pPr marL="540045" indent="0">
+              <a:buNone/>
+              <a:defRPr sz="1063">
                 <a:solidFill>
                   <a:schemeClr val="tx1">
                     <a:tint val="75000"/>
@@ -915,9 +920,9 @@
                 </a:solidFill>
               </a:defRPr>
             </a:lvl3pPr>
-            <a:lvl4pPr marL="918012" indent="0">
-              <a:buNone/>
-              <a:defRPr sz="1071">
+            <a:lvl4pPr marL="810067" indent="0">
+              <a:buNone/>
+              <a:defRPr sz="945">
                 <a:solidFill>
                   <a:schemeClr val="tx1">
                     <a:tint val="75000"/>
@@ -925,9 +930,9 @@
                 </a:solidFill>
               </a:defRPr>
             </a:lvl4pPr>
-            <a:lvl5pPr marL="1224016" indent="0">
-              <a:buNone/>
-              <a:defRPr sz="1071">
+            <a:lvl5pPr marL="1080089" indent="0">
+              <a:buNone/>
+              <a:defRPr sz="945">
                 <a:solidFill>
                   <a:schemeClr val="tx1">
                     <a:tint val="75000"/>
@@ -935,9 +940,9 @@
                 </a:solidFill>
               </a:defRPr>
             </a:lvl5pPr>
-            <a:lvl6pPr marL="1530020" indent="0">
-              <a:buNone/>
-              <a:defRPr sz="1071">
+            <a:lvl6pPr marL="1350112" indent="0">
+              <a:buNone/>
+              <a:defRPr sz="945">
                 <a:solidFill>
                   <a:schemeClr val="tx1">
                     <a:tint val="75000"/>
@@ -945,9 +950,9 @@
                 </a:solidFill>
               </a:defRPr>
             </a:lvl6pPr>
-            <a:lvl7pPr marL="1836024" indent="0">
-              <a:buNone/>
-              <a:defRPr sz="1071">
+            <a:lvl7pPr marL="1620134" indent="0">
+              <a:buNone/>
+              <a:defRPr sz="945">
                 <a:solidFill>
                   <a:schemeClr val="tx1">
                     <a:tint val="75000"/>
@@ -955,9 +960,9 @@
                 </a:solidFill>
               </a:defRPr>
             </a:lvl7pPr>
-            <a:lvl8pPr marL="2142028" indent="0">
-              <a:buNone/>
-              <a:defRPr sz="1071">
+            <a:lvl8pPr marL="1890156" indent="0">
+              <a:buNone/>
+              <a:defRPr sz="945">
                 <a:solidFill>
                   <a:schemeClr val="tx1">
                     <a:tint val="75000"/>
@@ -965,9 +970,9 @@
                 </a:solidFill>
               </a:defRPr>
             </a:lvl8pPr>
-            <a:lvl9pPr marL="2448032" indent="0">
-              <a:buNone/>
-              <a:defRPr sz="1071">
+            <a:lvl9pPr marL="2160179" indent="0">
+              <a:buNone/>
+              <a:defRPr sz="945">
                 <a:solidFill>
                   <a:schemeClr val="tx1">
                     <a:tint val="75000"/>
@@ -1002,7 +1007,7 @@
           <a:p>
             <a:fld id="{31F73CCE-56B5-1B42-9F53-9FD01235FE57}" type="datetimeFigureOut">
               <a:rPr lang="de-DE" smtClean="0"/>
-              <a:t>17.12.21</a:t>
+              <a:t>18.12.21</a:t>
             </a:fld>
             <a:endParaRPr lang="de-DE"/>
           </a:p>
@@ -1053,7 +1058,7 @@
     </p:spTree>
     <p:extLst>
       <p:ext uri="{BB962C8B-B14F-4D97-AF65-F5344CB8AC3E}">
-        <p14:creationId xmlns:p14="http://schemas.microsoft.com/office/powerpoint/2010/main" val="2628878497"/>
+        <p14:creationId xmlns:p14="http://schemas.microsoft.com/office/powerpoint/2010/main" val="1223558377"/>
       </p:ext>
     </p:extLst>
   </p:cSld>
@@ -1115,8 +1120,8 @@
         </p:nvSpPr>
         <p:spPr>
           <a:xfrm>
-            <a:off x="420737" y="1725046"/>
-            <a:ext cx="2600921" cy="4111612"/>
+            <a:off x="371296" y="1725046"/>
+            <a:ext cx="2295287" cy="4111612"/>
           </a:xfrm>
         </p:spPr>
         <p:txBody>
@@ -1172,8 +1177,8 @@
         </p:nvSpPr>
         <p:spPr>
           <a:xfrm>
-            <a:off x="3098155" y="1725046"/>
-            <a:ext cx="2600921" cy="4111612"/>
+            <a:off x="2734092" y="1725046"/>
+            <a:ext cx="2295287" cy="4111612"/>
           </a:xfrm>
         </p:spPr>
         <p:txBody>
@@ -1234,7 +1239,7 @@
           <a:p>
             <a:fld id="{31F73CCE-56B5-1B42-9F53-9FD01235FE57}" type="datetimeFigureOut">
               <a:rPr lang="de-DE" smtClean="0"/>
-              <a:t>17.12.21</a:t>
+              <a:t>18.12.21</a:t>
             </a:fld>
             <a:endParaRPr lang="de-DE"/>
           </a:p>
@@ -1285,7 +1290,7 @@
     </p:spTree>
     <p:extLst>
       <p:ext uri="{BB962C8B-B14F-4D97-AF65-F5344CB8AC3E}">
-        <p14:creationId xmlns:p14="http://schemas.microsoft.com/office/powerpoint/2010/main" val="2433786529"/>
+        <p14:creationId xmlns:p14="http://schemas.microsoft.com/office/powerpoint/2010/main" val="113547486"/>
       </p:ext>
     </p:extLst>
   </p:cSld>
@@ -1324,8 +1329,8 @@
         </p:nvSpPr>
         <p:spPr>
           <a:xfrm>
-            <a:off x="421534" y="345011"/>
-            <a:ext cx="5278339" cy="1252534"/>
+            <a:off x="372000" y="345011"/>
+            <a:ext cx="4658082" cy="1252534"/>
           </a:xfrm>
         </p:spPr>
         <p:txBody>
@@ -1352,8 +1357,8 @@
         </p:nvSpPr>
         <p:spPr>
           <a:xfrm>
-            <a:off x="421535" y="1588543"/>
-            <a:ext cx="2588967" cy="778521"/>
+            <a:off x="372001" y="1588543"/>
+            <a:ext cx="2284738" cy="778521"/>
           </a:xfrm>
         </p:spPr>
         <p:txBody>
@@ -1361,39 +1366,39 @@
           <a:lstStyle>
             <a:lvl1pPr marL="0" indent="0">
               <a:buNone/>
-              <a:defRPr sz="1606" b="1"/>
+              <a:defRPr sz="1417" b="1"/>
             </a:lvl1pPr>
-            <a:lvl2pPr marL="306004" indent="0">
-              <a:buNone/>
-              <a:defRPr sz="1339" b="1"/>
+            <a:lvl2pPr marL="270022" indent="0">
+              <a:buNone/>
+              <a:defRPr sz="1181" b="1"/>
             </a:lvl2pPr>
-            <a:lvl3pPr marL="612008" indent="0">
-              <a:buNone/>
-              <a:defRPr sz="1205" b="1"/>
+            <a:lvl3pPr marL="540045" indent="0">
+              <a:buNone/>
+              <a:defRPr sz="1063" b="1"/>
             </a:lvl3pPr>
-            <a:lvl4pPr marL="918012" indent="0">
-              <a:buNone/>
-              <a:defRPr sz="1071" b="1"/>
+            <a:lvl4pPr marL="810067" indent="0">
+              <a:buNone/>
+              <a:defRPr sz="945" b="1"/>
             </a:lvl4pPr>
-            <a:lvl5pPr marL="1224016" indent="0">
-              <a:buNone/>
-              <a:defRPr sz="1071" b="1"/>
+            <a:lvl5pPr marL="1080089" indent="0">
+              <a:buNone/>
+              <a:defRPr sz="945" b="1"/>
             </a:lvl5pPr>
-            <a:lvl6pPr marL="1530020" indent="0">
-              <a:buNone/>
-              <a:defRPr sz="1071" b="1"/>
+            <a:lvl6pPr marL="1350112" indent="0">
+              <a:buNone/>
+              <a:defRPr sz="945" b="1"/>
             </a:lvl6pPr>
-            <a:lvl7pPr marL="1836024" indent="0">
-              <a:buNone/>
-              <a:defRPr sz="1071" b="1"/>
+            <a:lvl7pPr marL="1620134" indent="0">
+              <a:buNone/>
+              <a:defRPr sz="945" b="1"/>
             </a:lvl7pPr>
-            <a:lvl8pPr marL="2142028" indent="0">
-              <a:buNone/>
-              <a:defRPr sz="1071" b="1"/>
+            <a:lvl8pPr marL="1890156" indent="0">
+              <a:buNone/>
+              <a:defRPr sz="945" b="1"/>
             </a:lvl8pPr>
-            <a:lvl9pPr marL="2448032" indent="0">
-              <a:buNone/>
-              <a:defRPr sz="1071" b="1"/>
+            <a:lvl9pPr marL="2160179" indent="0">
+              <a:buNone/>
+              <a:defRPr sz="945" b="1"/>
             </a:lvl9pPr>
           </a:lstStyle>
           <a:p>
@@ -1417,8 +1422,8 @@
         </p:nvSpPr>
         <p:spPr>
           <a:xfrm>
-            <a:off x="421535" y="2367064"/>
-            <a:ext cx="2588967" cy="3481594"/>
+            <a:off x="372001" y="2367064"/>
+            <a:ext cx="2284738" cy="3481594"/>
           </a:xfrm>
         </p:spPr>
         <p:txBody>
@@ -1474,8 +1479,8 @@
         </p:nvSpPr>
         <p:spPr>
           <a:xfrm>
-            <a:off x="3098155" y="1588543"/>
-            <a:ext cx="2601718" cy="778521"/>
+            <a:off x="2734092" y="1588543"/>
+            <a:ext cx="2295990" cy="778521"/>
           </a:xfrm>
         </p:spPr>
         <p:txBody>
@@ -1483,39 +1488,39 @@
           <a:lstStyle>
             <a:lvl1pPr marL="0" indent="0">
               <a:buNone/>
-              <a:defRPr sz="1606" b="1"/>
+              <a:defRPr sz="1417" b="1"/>
             </a:lvl1pPr>
-            <a:lvl2pPr marL="306004" indent="0">
-              <a:buNone/>
-              <a:defRPr sz="1339" b="1"/>
+            <a:lvl2pPr marL="270022" indent="0">
+              <a:buNone/>
+              <a:defRPr sz="1181" b="1"/>
             </a:lvl2pPr>
-            <a:lvl3pPr marL="612008" indent="0">
-              <a:buNone/>
-              <a:defRPr sz="1205" b="1"/>
+            <a:lvl3pPr marL="540045" indent="0">
+              <a:buNone/>
+              <a:defRPr sz="1063" b="1"/>
             </a:lvl3pPr>
-            <a:lvl4pPr marL="918012" indent="0">
-              <a:buNone/>
-              <a:defRPr sz="1071" b="1"/>
+            <a:lvl4pPr marL="810067" indent="0">
+              <a:buNone/>
+              <a:defRPr sz="945" b="1"/>
             </a:lvl4pPr>
-            <a:lvl5pPr marL="1224016" indent="0">
-              <a:buNone/>
-              <a:defRPr sz="1071" b="1"/>
+            <a:lvl5pPr marL="1080089" indent="0">
+              <a:buNone/>
+              <a:defRPr sz="945" b="1"/>
             </a:lvl5pPr>
-            <a:lvl6pPr marL="1530020" indent="0">
-              <a:buNone/>
-              <a:defRPr sz="1071" b="1"/>
+            <a:lvl6pPr marL="1350112" indent="0">
+              <a:buNone/>
+              <a:defRPr sz="945" b="1"/>
             </a:lvl6pPr>
-            <a:lvl7pPr marL="1836024" indent="0">
-              <a:buNone/>
-              <a:defRPr sz="1071" b="1"/>
+            <a:lvl7pPr marL="1620134" indent="0">
+              <a:buNone/>
+              <a:defRPr sz="945" b="1"/>
             </a:lvl7pPr>
-            <a:lvl8pPr marL="2142028" indent="0">
-              <a:buNone/>
-              <a:defRPr sz="1071" b="1"/>
+            <a:lvl8pPr marL="1890156" indent="0">
+              <a:buNone/>
+              <a:defRPr sz="945" b="1"/>
             </a:lvl8pPr>
-            <a:lvl9pPr marL="2448032" indent="0">
-              <a:buNone/>
-              <a:defRPr sz="1071" b="1"/>
+            <a:lvl9pPr marL="2160179" indent="0">
+              <a:buNone/>
+              <a:defRPr sz="945" b="1"/>
             </a:lvl9pPr>
           </a:lstStyle>
           <a:p>
@@ -1539,8 +1544,8 @@
         </p:nvSpPr>
         <p:spPr>
           <a:xfrm>
-            <a:off x="3098155" y="2367064"/>
-            <a:ext cx="2601718" cy="3481594"/>
+            <a:off x="2734092" y="2367064"/>
+            <a:ext cx="2295990" cy="3481594"/>
           </a:xfrm>
         </p:spPr>
         <p:txBody>
@@ -1601,7 +1606,7 @@
           <a:p>
             <a:fld id="{31F73CCE-56B5-1B42-9F53-9FD01235FE57}" type="datetimeFigureOut">
               <a:rPr lang="de-DE" smtClean="0"/>
-              <a:t>17.12.21</a:t>
+              <a:t>18.12.21</a:t>
             </a:fld>
             <a:endParaRPr lang="de-DE"/>
           </a:p>
@@ -1652,7 +1657,7 @@
     </p:spTree>
     <p:extLst>
       <p:ext uri="{BB962C8B-B14F-4D97-AF65-F5344CB8AC3E}">
-        <p14:creationId xmlns:p14="http://schemas.microsoft.com/office/powerpoint/2010/main" val="3539600341"/>
+        <p14:creationId xmlns:p14="http://schemas.microsoft.com/office/powerpoint/2010/main" val="1458642680"/>
       </p:ext>
     </p:extLst>
   </p:cSld>
@@ -1719,7 +1724,7 @@
           <a:p>
             <a:fld id="{31F73CCE-56B5-1B42-9F53-9FD01235FE57}" type="datetimeFigureOut">
               <a:rPr lang="de-DE" smtClean="0"/>
-              <a:t>17.12.21</a:t>
+              <a:t>18.12.21</a:t>
             </a:fld>
             <a:endParaRPr lang="de-DE"/>
           </a:p>
@@ -1770,7 +1775,7 @@
     </p:spTree>
     <p:extLst>
       <p:ext uri="{BB962C8B-B14F-4D97-AF65-F5344CB8AC3E}">
-        <p14:creationId xmlns:p14="http://schemas.microsoft.com/office/powerpoint/2010/main" val="1849001798"/>
+        <p14:creationId xmlns:p14="http://schemas.microsoft.com/office/powerpoint/2010/main" val="4069369241"/>
       </p:ext>
     </p:extLst>
   </p:cSld>
@@ -1814,7 +1819,7 @@
           <a:p>
             <a:fld id="{31F73CCE-56B5-1B42-9F53-9FD01235FE57}" type="datetimeFigureOut">
               <a:rPr lang="de-DE" smtClean="0"/>
-              <a:t>17.12.21</a:t>
+              <a:t>18.12.21</a:t>
             </a:fld>
             <a:endParaRPr lang="de-DE"/>
           </a:p>
@@ -1865,7 +1870,7 @@
     </p:spTree>
     <p:extLst>
       <p:ext uri="{BB962C8B-B14F-4D97-AF65-F5344CB8AC3E}">
-        <p14:creationId xmlns:p14="http://schemas.microsoft.com/office/powerpoint/2010/main" val="143824300"/>
+        <p14:creationId xmlns:p14="http://schemas.microsoft.com/office/powerpoint/2010/main" val="845567065"/>
       </p:ext>
     </p:extLst>
   </p:cSld>
@@ -1904,15 +1909,15 @@
         </p:nvSpPr>
         <p:spPr>
           <a:xfrm>
-            <a:off x="421534" y="432012"/>
-            <a:ext cx="1973799" cy="1512041"/>
+            <a:off x="372000" y="432012"/>
+            <a:ext cx="1741858" cy="1512041"/>
           </a:xfrm>
         </p:spPr>
         <p:txBody>
           <a:bodyPr anchor="b"/>
           <a:lstStyle>
             <a:lvl1pPr>
-              <a:defRPr sz="2142"/>
+              <a:defRPr sz="1890"/>
             </a:lvl1pPr>
           </a:lstStyle>
           <a:p>
@@ -1936,39 +1941,39 @@
         </p:nvSpPr>
         <p:spPr>
           <a:xfrm>
-            <a:off x="2601718" y="933027"/>
-            <a:ext cx="3098155" cy="4605124"/>
+            <a:off x="2295990" y="933027"/>
+            <a:ext cx="2734092" cy="4605124"/>
           </a:xfrm>
         </p:spPr>
         <p:txBody>
           <a:bodyPr/>
           <a:lstStyle>
             <a:lvl1pPr>
-              <a:defRPr sz="2142"/>
+              <a:defRPr sz="1890"/>
             </a:lvl1pPr>
             <a:lvl2pPr>
-              <a:defRPr sz="1874"/>
+              <a:defRPr sz="1654"/>
             </a:lvl2pPr>
             <a:lvl3pPr>
-              <a:defRPr sz="1606"/>
+              <a:defRPr sz="1417"/>
             </a:lvl3pPr>
             <a:lvl4pPr>
-              <a:defRPr sz="1339"/>
+              <a:defRPr sz="1181"/>
             </a:lvl4pPr>
             <a:lvl5pPr>
-              <a:defRPr sz="1339"/>
+              <a:defRPr sz="1181"/>
             </a:lvl5pPr>
             <a:lvl6pPr>
-              <a:defRPr sz="1339"/>
+              <a:defRPr sz="1181"/>
             </a:lvl6pPr>
             <a:lvl7pPr>
-              <a:defRPr sz="1339"/>
+              <a:defRPr sz="1181"/>
             </a:lvl7pPr>
             <a:lvl8pPr>
-              <a:defRPr sz="1339"/>
+              <a:defRPr sz="1181"/>
             </a:lvl8pPr>
             <a:lvl9pPr>
-              <a:defRPr sz="1339"/>
+              <a:defRPr sz="1181"/>
             </a:lvl9pPr>
           </a:lstStyle>
           <a:p>
@@ -2021,8 +2026,8 @@
         </p:nvSpPr>
         <p:spPr>
           <a:xfrm>
-            <a:off x="421534" y="1944052"/>
-            <a:ext cx="1973799" cy="3601598"/>
+            <a:off x="372000" y="1944052"/>
+            <a:ext cx="1741858" cy="3601598"/>
           </a:xfrm>
         </p:spPr>
         <p:txBody>
@@ -2030,39 +2035,39 @@
           <a:lstStyle>
             <a:lvl1pPr marL="0" indent="0">
               <a:buNone/>
-              <a:defRPr sz="1071"/>
+              <a:defRPr sz="945"/>
             </a:lvl1pPr>
-            <a:lvl2pPr marL="306004" indent="0">
-              <a:buNone/>
-              <a:defRPr sz="937"/>
+            <a:lvl2pPr marL="270022" indent="0">
+              <a:buNone/>
+              <a:defRPr sz="827"/>
             </a:lvl2pPr>
-            <a:lvl3pPr marL="612008" indent="0">
-              <a:buNone/>
-              <a:defRPr sz="803"/>
+            <a:lvl3pPr marL="540045" indent="0">
+              <a:buNone/>
+              <a:defRPr sz="709"/>
             </a:lvl3pPr>
-            <a:lvl4pPr marL="918012" indent="0">
-              <a:buNone/>
-              <a:defRPr sz="669"/>
+            <a:lvl4pPr marL="810067" indent="0">
+              <a:buNone/>
+              <a:defRPr sz="591"/>
             </a:lvl4pPr>
-            <a:lvl5pPr marL="1224016" indent="0">
-              <a:buNone/>
-              <a:defRPr sz="669"/>
+            <a:lvl5pPr marL="1080089" indent="0">
+              <a:buNone/>
+              <a:defRPr sz="591"/>
             </a:lvl5pPr>
-            <a:lvl6pPr marL="1530020" indent="0">
-              <a:buNone/>
-              <a:defRPr sz="669"/>
+            <a:lvl6pPr marL="1350112" indent="0">
+              <a:buNone/>
+              <a:defRPr sz="591"/>
             </a:lvl6pPr>
-            <a:lvl7pPr marL="1836024" indent="0">
-              <a:buNone/>
-              <a:defRPr sz="669"/>
+            <a:lvl7pPr marL="1620134" indent="0">
+              <a:buNone/>
+              <a:defRPr sz="591"/>
             </a:lvl7pPr>
-            <a:lvl8pPr marL="2142028" indent="0">
-              <a:buNone/>
-              <a:defRPr sz="669"/>
+            <a:lvl8pPr marL="1890156" indent="0">
+              <a:buNone/>
+              <a:defRPr sz="591"/>
             </a:lvl8pPr>
-            <a:lvl9pPr marL="2448032" indent="0">
-              <a:buNone/>
-              <a:defRPr sz="669"/>
+            <a:lvl9pPr marL="2160179" indent="0">
+              <a:buNone/>
+              <a:defRPr sz="591"/>
             </a:lvl9pPr>
           </a:lstStyle>
           <a:p>
@@ -2091,7 +2096,7 @@
           <a:p>
             <a:fld id="{31F73CCE-56B5-1B42-9F53-9FD01235FE57}" type="datetimeFigureOut">
               <a:rPr lang="de-DE" smtClean="0"/>
-              <a:t>17.12.21</a:t>
+              <a:t>18.12.21</a:t>
             </a:fld>
             <a:endParaRPr lang="de-DE"/>
           </a:p>
@@ -2142,7 +2147,7 @@
     </p:spTree>
     <p:extLst>
       <p:ext uri="{BB962C8B-B14F-4D97-AF65-F5344CB8AC3E}">
-        <p14:creationId xmlns:p14="http://schemas.microsoft.com/office/powerpoint/2010/main" val="2258523855"/>
+        <p14:creationId xmlns:p14="http://schemas.microsoft.com/office/powerpoint/2010/main" val="1785922704"/>
       </p:ext>
     </p:extLst>
   </p:cSld>
@@ -2181,15 +2186,15 @@
         </p:nvSpPr>
         <p:spPr>
           <a:xfrm>
-            <a:off x="421534" y="432012"/>
-            <a:ext cx="1973799" cy="1512041"/>
+            <a:off x="372000" y="432012"/>
+            <a:ext cx="1741858" cy="1512041"/>
           </a:xfrm>
         </p:spPr>
         <p:txBody>
           <a:bodyPr anchor="b"/>
           <a:lstStyle>
             <a:lvl1pPr>
-              <a:defRPr sz="2142"/>
+              <a:defRPr sz="1890"/>
             </a:lvl1pPr>
           </a:lstStyle>
           <a:p>
@@ -2213,8 +2218,8 @@
         </p:nvSpPr>
         <p:spPr>
           <a:xfrm>
-            <a:off x="2601718" y="933027"/>
-            <a:ext cx="3098155" cy="4605124"/>
+            <a:off x="2295990" y="933027"/>
+            <a:ext cx="2734092" cy="4605124"/>
           </a:xfrm>
         </p:spPr>
         <p:txBody>
@@ -2222,39 +2227,39 @@
           <a:lstStyle>
             <a:lvl1pPr marL="0" indent="0">
               <a:buNone/>
-              <a:defRPr sz="2142"/>
+              <a:defRPr sz="1890"/>
             </a:lvl1pPr>
-            <a:lvl2pPr marL="306004" indent="0">
-              <a:buNone/>
-              <a:defRPr sz="1874"/>
+            <a:lvl2pPr marL="270022" indent="0">
+              <a:buNone/>
+              <a:defRPr sz="1654"/>
             </a:lvl2pPr>
-            <a:lvl3pPr marL="612008" indent="0">
-              <a:buNone/>
-              <a:defRPr sz="1606"/>
+            <a:lvl3pPr marL="540045" indent="0">
+              <a:buNone/>
+              <a:defRPr sz="1417"/>
             </a:lvl3pPr>
-            <a:lvl4pPr marL="918012" indent="0">
-              <a:buNone/>
-              <a:defRPr sz="1339"/>
+            <a:lvl4pPr marL="810067" indent="0">
+              <a:buNone/>
+              <a:defRPr sz="1181"/>
             </a:lvl4pPr>
-            <a:lvl5pPr marL="1224016" indent="0">
-              <a:buNone/>
-              <a:defRPr sz="1339"/>
+            <a:lvl5pPr marL="1080089" indent="0">
+              <a:buNone/>
+              <a:defRPr sz="1181"/>
             </a:lvl5pPr>
-            <a:lvl6pPr marL="1530020" indent="0">
-              <a:buNone/>
-              <a:defRPr sz="1339"/>
+            <a:lvl6pPr marL="1350112" indent="0">
+              <a:buNone/>
+              <a:defRPr sz="1181"/>
             </a:lvl6pPr>
-            <a:lvl7pPr marL="1836024" indent="0">
-              <a:buNone/>
-              <a:defRPr sz="1339"/>
+            <a:lvl7pPr marL="1620134" indent="0">
+              <a:buNone/>
+              <a:defRPr sz="1181"/>
             </a:lvl7pPr>
-            <a:lvl8pPr marL="2142028" indent="0">
-              <a:buNone/>
-              <a:defRPr sz="1339"/>
+            <a:lvl8pPr marL="1890156" indent="0">
+              <a:buNone/>
+              <a:defRPr sz="1181"/>
             </a:lvl8pPr>
-            <a:lvl9pPr marL="2448032" indent="0">
-              <a:buNone/>
-              <a:defRPr sz="1339"/>
+            <a:lvl9pPr marL="2160179" indent="0">
+              <a:buNone/>
+              <a:defRPr sz="1181"/>
             </a:lvl9pPr>
           </a:lstStyle>
           <a:p>
@@ -2278,8 +2283,8 @@
         </p:nvSpPr>
         <p:spPr>
           <a:xfrm>
-            <a:off x="421534" y="1944052"/>
-            <a:ext cx="1973799" cy="3601598"/>
+            <a:off x="372000" y="1944052"/>
+            <a:ext cx="1741858" cy="3601598"/>
           </a:xfrm>
         </p:spPr>
         <p:txBody>
@@ -2287,39 +2292,39 @@
           <a:lstStyle>
             <a:lvl1pPr marL="0" indent="0">
               <a:buNone/>
-              <a:defRPr sz="1071"/>
+              <a:defRPr sz="945"/>
             </a:lvl1pPr>
-            <a:lvl2pPr marL="306004" indent="0">
-              <a:buNone/>
-              <a:defRPr sz="937"/>
+            <a:lvl2pPr marL="270022" indent="0">
+              <a:buNone/>
+              <a:defRPr sz="827"/>
             </a:lvl2pPr>
-            <a:lvl3pPr marL="612008" indent="0">
-              <a:buNone/>
-              <a:defRPr sz="803"/>
+            <a:lvl3pPr marL="540045" indent="0">
+              <a:buNone/>
+              <a:defRPr sz="709"/>
             </a:lvl3pPr>
-            <a:lvl4pPr marL="918012" indent="0">
-              <a:buNone/>
-              <a:defRPr sz="669"/>
+            <a:lvl4pPr marL="810067" indent="0">
+              <a:buNone/>
+              <a:defRPr sz="591"/>
             </a:lvl4pPr>
-            <a:lvl5pPr marL="1224016" indent="0">
-              <a:buNone/>
-              <a:defRPr sz="669"/>
+            <a:lvl5pPr marL="1080089" indent="0">
+              <a:buNone/>
+              <a:defRPr sz="591"/>
             </a:lvl5pPr>
-            <a:lvl6pPr marL="1530020" indent="0">
-              <a:buNone/>
-              <a:defRPr sz="669"/>
+            <a:lvl6pPr marL="1350112" indent="0">
+              <a:buNone/>
+              <a:defRPr sz="591"/>
             </a:lvl6pPr>
-            <a:lvl7pPr marL="1836024" indent="0">
-              <a:buNone/>
-              <a:defRPr sz="669"/>
+            <a:lvl7pPr marL="1620134" indent="0">
+              <a:buNone/>
+              <a:defRPr sz="591"/>
             </a:lvl7pPr>
-            <a:lvl8pPr marL="2142028" indent="0">
-              <a:buNone/>
-              <a:defRPr sz="669"/>
+            <a:lvl8pPr marL="1890156" indent="0">
+              <a:buNone/>
+              <a:defRPr sz="591"/>
             </a:lvl8pPr>
-            <a:lvl9pPr marL="2448032" indent="0">
-              <a:buNone/>
-              <a:defRPr sz="669"/>
+            <a:lvl9pPr marL="2160179" indent="0">
+              <a:buNone/>
+              <a:defRPr sz="591"/>
             </a:lvl9pPr>
           </a:lstStyle>
           <a:p>
@@ -2348,7 +2353,7 @@
           <a:p>
             <a:fld id="{31F73CCE-56B5-1B42-9F53-9FD01235FE57}" type="datetimeFigureOut">
               <a:rPr lang="de-DE" smtClean="0"/>
-              <a:t>17.12.21</a:t>
+              <a:t>18.12.21</a:t>
             </a:fld>
             <a:endParaRPr lang="de-DE"/>
           </a:p>
@@ -2399,7 +2404,7 @@
     </p:spTree>
     <p:extLst>
       <p:ext uri="{BB962C8B-B14F-4D97-AF65-F5344CB8AC3E}">
-        <p14:creationId xmlns:p14="http://schemas.microsoft.com/office/powerpoint/2010/main" val="2247862201"/>
+        <p14:creationId xmlns:p14="http://schemas.microsoft.com/office/powerpoint/2010/main" val="3922291030"/>
       </p:ext>
     </p:extLst>
   </p:cSld>
@@ -2443,8 +2448,8 @@
         </p:nvSpPr>
         <p:spPr>
           <a:xfrm>
-            <a:off x="420737" y="345011"/>
-            <a:ext cx="5278339" cy="1252534"/>
+            <a:off x="371297" y="345011"/>
+            <a:ext cx="4658082" cy="1252534"/>
           </a:xfrm>
           <a:prstGeom prst="rect">
             <a:avLst/>
@@ -2476,8 +2481,8 @@
         </p:nvSpPr>
         <p:spPr>
           <a:xfrm>
-            <a:off x="420737" y="1725046"/>
-            <a:ext cx="5278339" cy="4111612"/>
+            <a:off x="371297" y="1725046"/>
+            <a:ext cx="4658082" cy="4111612"/>
           </a:xfrm>
           <a:prstGeom prst="rect">
             <a:avLst/>
@@ -2538,8 +2543,8 @@
         </p:nvSpPr>
         <p:spPr>
           <a:xfrm>
-            <a:off x="420737" y="6006164"/>
-            <a:ext cx="1376958" cy="345009"/>
+            <a:off x="371296" y="6006164"/>
+            <a:ext cx="1215152" cy="345009"/>
           </a:xfrm>
           <a:prstGeom prst="rect">
             <a:avLst/>
@@ -2549,7 +2554,7 @@
           <a:bodyPr vert="horz" lIns="91440" tIns="45720" rIns="91440" bIns="45720" rtlCol="0" anchor="ctr"/>
           <a:lstStyle>
             <a:lvl1pPr algn="l">
-              <a:defRPr sz="803">
+              <a:defRPr sz="709">
                 <a:solidFill>
                   <a:schemeClr val="tx1">
                     <a:tint val="75000"/>
@@ -2561,7 +2566,7 @@
           <a:p>
             <a:fld id="{31F73CCE-56B5-1B42-9F53-9FD01235FE57}" type="datetimeFigureOut">
               <a:rPr lang="de-DE" smtClean="0"/>
-              <a:t>17.12.21</a:t>
+              <a:t>18.12.21</a:t>
             </a:fld>
             <a:endParaRPr lang="de-DE"/>
           </a:p>
@@ -2579,8 +2584,8 @@
         </p:nvSpPr>
         <p:spPr>
           <a:xfrm>
-            <a:off x="2027188" y="6006164"/>
-            <a:ext cx="2065437" cy="345009"/>
+            <a:off x="1788974" y="6006164"/>
+            <a:ext cx="1822728" cy="345009"/>
           </a:xfrm>
           <a:prstGeom prst="rect">
             <a:avLst/>
@@ -2590,7 +2595,7 @@
           <a:bodyPr vert="horz" lIns="91440" tIns="45720" rIns="91440" bIns="45720" rtlCol="0" anchor="ctr"/>
           <a:lstStyle>
             <a:lvl1pPr algn="ctr">
-              <a:defRPr sz="803">
+              <a:defRPr sz="709">
                 <a:solidFill>
                   <a:schemeClr val="tx1">
                     <a:tint val="75000"/>
@@ -2616,8 +2621,8 @@
         </p:nvSpPr>
         <p:spPr>
           <a:xfrm>
-            <a:off x="4322118" y="6006164"/>
-            <a:ext cx="1376958" cy="345009"/>
+            <a:off x="3814227" y="6006164"/>
+            <a:ext cx="1215152" cy="345009"/>
           </a:xfrm>
           <a:prstGeom prst="rect">
             <a:avLst/>
@@ -2627,7 +2632,7 @@
           <a:bodyPr vert="horz" lIns="91440" tIns="45720" rIns="91440" bIns="45720" rtlCol="0" anchor="ctr"/>
           <a:lstStyle>
             <a:lvl1pPr algn="r">
-              <a:defRPr sz="803">
+              <a:defRPr sz="709">
                 <a:solidFill>
                   <a:schemeClr val="tx1">
                     <a:tint val="75000"/>
@@ -2648,27 +2653,27 @@
     </p:spTree>
     <p:extLst>
       <p:ext uri="{BB962C8B-B14F-4D97-AF65-F5344CB8AC3E}">
-        <p14:creationId xmlns:p14="http://schemas.microsoft.com/office/powerpoint/2010/main" val="2582156052"/>
+        <p14:creationId xmlns:p14="http://schemas.microsoft.com/office/powerpoint/2010/main" val="2534054245"/>
       </p:ext>
     </p:extLst>
   </p:cSld>
   <p:clrMap bg1="lt1" tx1="dk1" bg2="lt2" tx2="dk2" accent1="accent1" accent2="accent2" accent3="accent3" accent4="accent4" accent5="accent5" accent6="accent6" hlink="hlink" folHlink="folHlink"/>
   <p:sldLayoutIdLst>
-    <p:sldLayoutId id="2147483673" r:id="rId1"/>
-    <p:sldLayoutId id="2147483674" r:id="rId2"/>
-    <p:sldLayoutId id="2147483675" r:id="rId3"/>
-    <p:sldLayoutId id="2147483676" r:id="rId4"/>
-    <p:sldLayoutId id="2147483677" r:id="rId5"/>
-    <p:sldLayoutId id="2147483678" r:id="rId6"/>
-    <p:sldLayoutId id="2147483679" r:id="rId7"/>
-    <p:sldLayoutId id="2147483680" r:id="rId8"/>
-    <p:sldLayoutId id="2147483681" r:id="rId9"/>
-    <p:sldLayoutId id="2147483682" r:id="rId10"/>
-    <p:sldLayoutId id="2147483683" r:id="rId11"/>
+    <p:sldLayoutId id="2147483685" r:id="rId1"/>
+    <p:sldLayoutId id="2147483686" r:id="rId2"/>
+    <p:sldLayoutId id="2147483687" r:id="rId3"/>
+    <p:sldLayoutId id="2147483688" r:id="rId4"/>
+    <p:sldLayoutId id="2147483689" r:id="rId5"/>
+    <p:sldLayoutId id="2147483690" r:id="rId6"/>
+    <p:sldLayoutId id="2147483691" r:id="rId7"/>
+    <p:sldLayoutId id="2147483692" r:id="rId8"/>
+    <p:sldLayoutId id="2147483693" r:id="rId9"/>
+    <p:sldLayoutId id="2147483694" r:id="rId10"/>
+    <p:sldLayoutId id="2147483695" r:id="rId11"/>
   </p:sldLayoutIdLst>
   <p:txStyles>
     <p:titleStyle>
-      <a:lvl1pPr algn="l" defTabSz="612008" rtl="0" eaLnBrk="1" latinLnBrk="0" hangingPunct="1">
+      <a:lvl1pPr algn="l" defTabSz="540045" rtl="0" eaLnBrk="1" latinLnBrk="0" hangingPunct="1">
         <a:lnSpc>
           <a:spcPct val="90000"/>
         </a:lnSpc>
@@ -2676,7 +2681,7 @@
           <a:spcPct val="0"/>
         </a:spcBef>
         <a:buNone/>
-        <a:defRPr sz="2945" kern="1200">
+        <a:defRPr sz="2599" kern="1200">
           <a:solidFill>
             <a:schemeClr val="tx1"/>
           </a:solidFill>
@@ -2687,16 +2692,16 @@
       </a:lvl1pPr>
     </p:titleStyle>
     <p:bodyStyle>
-      <a:lvl1pPr marL="153002" indent="-153002" algn="l" defTabSz="612008" rtl="0" eaLnBrk="1" latinLnBrk="0" hangingPunct="1">
+      <a:lvl1pPr marL="135011" indent="-135011" algn="l" defTabSz="540045" rtl="0" eaLnBrk="1" latinLnBrk="0" hangingPunct="1">
         <a:lnSpc>
           <a:spcPct val="90000"/>
         </a:lnSpc>
         <a:spcBef>
-          <a:spcPts val="669"/>
+          <a:spcPts val="591"/>
         </a:spcBef>
         <a:buFont typeface="Arial" panose="020B0604020202020204" pitchFamily="34" charset="0"/>
         <a:buChar char="•"/>
-        <a:defRPr sz="1874" kern="1200">
+        <a:defRPr sz="1654" kern="1200">
           <a:solidFill>
             <a:schemeClr val="tx1"/>
           </a:solidFill>
@@ -2705,16 +2710,16 @@
           <a:cs typeface="+mn-cs"/>
         </a:defRPr>
       </a:lvl1pPr>
-      <a:lvl2pPr marL="459006" indent="-153002" algn="l" defTabSz="612008" rtl="0" eaLnBrk="1" latinLnBrk="0" hangingPunct="1">
+      <a:lvl2pPr marL="405033" indent="-135011" algn="l" defTabSz="540045" rtl="0" eaLnBrk="1" latinLnBrk="0" hangingPunct="1">
         <a:lnSpc>
           <a:spcPct val="90000"/>
         </a:lnSpc>
         <a:spcBef>
-          <a:spcPts val="335"/>
+          <a:spcPts val="295"/>
         </a:spcBef>
         <a:buFont typeface="Arial" panose="020B0604020202020204" pitchFamily="34" charset="0"/>
         <a:buChar char="•"/>
-        <a:defRPr sz="1606" kern="1200">
+        <a:defRPr sz="1417" kern="1200">
           <a:solidFill>
             <a:schemeClr val="tx1"/>
           </a:solidFill>
@@ -2723,16 +2728,16 @@
           <a:cs typeface="+mn-cs"/>
         </a:defRPr>
       </a:lvl2pPr>
-      <a:lvl3pPr marL="765010" indent="-153002" algn="l" defTabSz="612008" rtl="0" eaLnBrk="1" latinLnBrk="0" hangingPunct="1">
+      <a:lvl3pPr marL="675056" indent="-135011" algn="l" defTabSz="540045" rtl="0" eaLnBrk="1" latinLnBrk="0" hangingPunct="1">
         <a:lnSpc>
           <a:spcPct val="90000"/>
         </a:lnSpc>
         <a:spcBef>
-          <a:spcPts val="335"/>
+          <a:spcPts val="295"/>
         </a:spcBef>
         <a:buFont typeface="Arial" panose="020B0604020202020204" pitchFamily="34" charset="0"/>
         <a:buChar char="•"/>
-        <a:defRPr sz="1339" kern="1200">
+        <a:defRPr sz="1181" kern="1200">
           <a:solidFill>
             <a:schemeClr val="tx1"/>
           </a:solidFill>
@@ -2741,16 +2746,16 @@
           <a:cs typeface="+mn-cs"/>
         </a:defRPr>
       </a:lvl3pPr>
-      <a:lvl4pPr marL="1071014" indent="-153002" algn="l" defTabSz="612008" rtl="0" eaLnBrk="1" latinLnBrk="0" hangingPunct="1">
+      <a:lvl4pPr marL="945078" indent="-135011" algn="l" defTabSz="540045" rtl="0" eaLnBrk="1" latinLnBrk="0" hangingPunct="1">
         <a:lnSpc>
           <a:spcPct val="90000"/>
         </a:lnSpc>
         <a:spcBef>
-          <a:spcPts val="335"/>
+          <a:spcPts val="295"/>
         </a:spcBef>
         <a:buFont typeface="Arial" panose="020B0604020202020204" pitchFamily="34" charset="0"/>
         <a:buChar char="•"/>
-        <a:defRPr sz="1205" kern="1200">
+        <a:defRPr sz="1063" kern="1200">
           <a:solidFill>
             <a:schemeClr val="tx1"/>
           </a:solidFill>
@@ -2759,16 +2764,16 @@
           <a:cs typeface="+mn-cs"/>
         </a:defRPr>
       </a:lvl4pPr>
-      <a:lvl5pPr marL="1377018" indent="-153002" algn="l" defTabSz="612008" rtl="0" eaLnBrk="1" latinLnBrk="0" hangingPunct="1">
+      <a:lvl5pPr marL="1215100" indent="-135011" algn="l" defTabSz="540045" rtl="0" eaLnBrk="1" latinLnBrk="0" hangingPunct="1">
         <a:lnSpc>
           <a:spcPct val="90000"/>
         </a:lnSpc>
         <a:spcBef>
-          <a:spcPts val="335"/>
+          <a:spcPts val="295"/>
         </a:spcBef>
         <a:buFont typeface="Arial" panose="020B0604020202020204" pitchFamily="34" charset="0"/>
         <a:buChar char="•"/>
-        <a:defRPr sz="1205" kern="1200">
+        <a:defRPr sz="1063" kern="1200">
           <a:solidFill>
             <a:schemeClr val="tx1"/>
           </a:solidFill>
@@ -2777,16 +2782,16 @@
           <a:cs typeface="+mn-cs"/>
         </a:defRPr>
       </a:lvl5pPr>
-      <a:lvl6pPr marL="1683022" indent="-153002" algn="l" defTabSz="612008" rtl="0" eaLnBrk="1" latinLnBrk="0" hangingPunct="1">
+      <a:lvl6pPr marL="1485123" indent="-135011" algn="l" defTabSz="540045" rtl="0" eaLnBrk="1" latinLnBrk="0" hangingPunct="1">
         <a:lnSpc>
           <a:spcPct val="90000"/>
         </a:lnSpc>
         <a:spcBef>
-          <a:spcPts val="335"/>
+          <a:spcPts val="295"/>
         </a:spcBef>
         <a:buFont typeface="Arial" panose="020B0604020202020204" pitchFamily="34" charset="0"/>
         <a:buChar char="•"/>
-        <a:defRPr sz="1205" kern="1200">
+        <a:defRPr sz="1063" kern="1200">
           <a:solidFill>
             <a:schemeClr val="tx1"/>
           </a:solidFill>
@@ -2795,16 +2800,16 @@
           <a:cs typeface="+mn-cs"/>
         </a:defRPr>
       </a:lvl6pPr>
-      <a:lvl7pPr marL="1989026" indent="-153002" algn="l" defTabSz="612008" rtl="0" eaLnBrk="1" latinLnBrk="0" hangingPunct="1">
+      <a:lvl7pPr marL="1755145" indent="-135011" algn="l" defTabSz="540045" rtl="0" eaLnBrk="1" latinLnBrk="0" hangingPunct="1">
         <a:lnSpc>
           <a:spcPct val="90000"/>
         </a:lnSpc>
         <a:spcBef>
-          <a:spcPts val="335"/>
+          <a:spcPts val="295"/>
         </a:spcBef>
         <a:buFont typeface="Arial" panose="020B0604020202020204" pitchFamily="34" charset="0"/>
         <a:buChar char="•"/>
-        <a:defRPr sz="1205" kern="1200">
+        <a:defRPr sz="1063" kern="1200">
           <a:solidFill>
             <a:schemeClr val="tx1"/>
           </a:solidFill>
@@ -2813,16 +2818,16 @@
           <a:cs typeface="+mn-cs"/>
         </a:defRPr>
       </a:lvl7pPr>
-      <a:lvl8pPr marL="2295030" indent="-153002" algn="l" defTabSz="612008" rtl="0" eaLnBrk="1" latinLnBrk="0" hangingPunct="1">
+      <a:lvl8pPr marL="2025167" indent="-135011" algn="l" defTabSz="540045" rtl="0" eaLnBrk="1" latinLnBrk="0" hangingPunct="1">
         <a:lnSpc>
           <a:spcPct val="90000"/>
         </a:lnSpc>
         <a:spcBef>
-          <a:spcPts val="335"/>
+          <a:spcPts val="295"/>
         </a:spcBef>
         <a:buFont typeface="Arial" panose="020B0604020202020204" pitchFamily="34" charset="0"/>
         <a:buChar char="•"/>
-        <a:defRPr sz="1205" kern="1200">
+        <a:defRPr sz="1063" kern="1200">
           <a:solidFill>
             <a:schemeClr val="tx1"/>
           </a:solidFill>
@@ -2831,16 +2836,16 @@
           <a:cs typeface="+mn-cs"/>
         </a:defRPr>
       </a:lvl8pPr>
-      <a:lvl9pPr marL="2601034" indent="-153002" algn="l" defTabSz="612008" rtl="0" eaLnBrk="1" latinLnBrk="0" hangingPunct="1">
+      <a:lvl9pPr marL="2295190" indent="-135011" algn="l" defTabSz="540045" rtl="0" eaLnBrk="1" latinLnBrk="0" hangingPunct="1">
         <a:lnSpc>
           <a:spcPct val="90000"/>
         </a:lnSpc>
         <a:spcBef>
-          <a:spcPts val="335"/>
+          <a:spcPts val="295"/>
         </a:spcBef>
         <a:buFont typeface="Arial" panose="020B0604020202020204" pitchFamily="34" charset="0"/>
         <a:buChar char="•"/>
-        <a:defRPr sz="1205" kern="1200">
+        <a:defRPr sz="1063" kern="1200">
           <a:solidFill>
             <a:schemeClr val="tx1"/>
           </a:solidFill>
@@ -2854,8 +2859,8 @@
       <a:defPPr>
         <a:defRPr lang="en-US"/>
       </a:defPPr>
-      <a:lvl1pPr marL="0" algn="l" defTabSz="612008" rtl="0" eaLnBrk="1" latinLnBrk="0" hangingPunct="1">
-        <a:defRPr sz="1205" kern="1200">
+      <a:lvl1pPr marL="0" algn="l" defTabSz="540045" rtl="0" eaLnBrk="1" latinLnBrk="0" hangingPunct="1">
+        <a:defRPr sz="1063" kern="1200">
           <a:solidFill>
             <a:schemeClr val="tx1"/>
           </a:solidFill>
@@ -2864,8 +2869,8 @@
           <a:cs typeface="+mn-cs"/>
         </a:defRPr>
       </a:lvl1pPr>
-      <a:lvl2pPr marL="306004" algn="l" defTabSz="612008" rtl="0" eaLnBrk="1" latinLnBrk="0" hangingPunct="1">
-        <a:defRPr sz="1205" kern="1200">
+      <a:lvl2pPr marL="270022" algn="l" defTabSz="540045" rtl="0" eaLnBrk="1" latinLnBrk="0" hangingPunct="1">
+        <a:defRPr sz="1063" kern="1200">
           <a:solidFill>
             <a:schemeClr val="tx1"/>
           </a:solidFill>
@@ -2874,8 +2879,8 @@
           <a:cs typeface="+mn-cs"/>
         </a:defRPr>
       </a:lvl2pPr>
-      <a:lvl3pPr marL="612008" algn="l" defTabSz="612008" rtl="0" eaLnBrk="1" latinLnBrk="0" hangingPunct="1">
-        <a:defRPr sz="1205" kern="1200">
+      <a:lvl3pPr marL="540045" algn="l" defTabSz="540045" rtl="0" eaLnBrk="1" latinLnBrk="0" hangingPunct="1">
+        <a:defRPr sz="1063" kern="1200">
           <a:solidFill>
             <a:schemeClr val="tx1"/>
           </a:solidFill>
@@ -2884,8 +2889,8 @@
           <a:cs typeface="+mn-cs"/>
         </a:defRPr>
       </a:lvl3pPr>
-      <a:lvl4pPr marL="918012" algn="l" defTabSz="612008" rtl="0" eaLnBrk="1" latinLnBrk="0" hangingPunct="1">
-        <a:defRPr sz="1205" kern="1200">
+      <a:lvl4pPr marL="810067" algn="l" defTabSz="540045" rtl="0" eaLnBrk="1" latinLnBrk="0" hangingPunct="1">
+        <a:defRPr sz="1063" kern="1200">
           <a:solidFill>
             <a:schemeClr val="tx1"/>
           </a:solidFill>
@@ -2894,8 +2899,8 @@
           <a:cs typeface="+mn-cs"/>
         </a:defRPr>
       </a:lvl4pPr>
-      <a:lvl5pPr marL="1224016" algn="l" defTabSz="612008" rtl="0" eaLnBrk="1" latinLnBrk="0" hangingPunct="1">
-        <a:defRPr sz="1205" kern="1200">
+      <a:lvl5pPr marL="1080089" algn="l" defTabSz="540045" rtl="0" eaLnBrk="1" latinLnBrk="0" hangingPunct="1">
+        <a:defRPr sz="1063" kern="1200">
           <a:solidFill>
             <a:schemeClr val="tx1"/>
           </a:solidFill>
@@ -2904,8 +2909,8 @@
           <a:cs typeface="+mn-cs"/>
         </a:defRPr>
       </a:lvl5pPr>
-      <a:lvl6pPr marL="1530020" algn="l" defTabSz="612008" rtl="0" eaLnBrk="1" latinLnBrk="0" hangingPunct="1">
-        <a:defRPr sz="1205" kern="1200">
+      <a:lvl6pPr marL="1350112" algn="l" defTabSz="540045" rtl="0" eaLnBrk="1" latinLnBrk="0" hangingPunct="1">
+        <a:defRPr sz="1063" kern="1200">
           <a:solidFill>
             <a:schemeClr val="tx1"/>
           </a:solidFill>
@@ -2914,8 +2919,8 @@
           <a:cs typeface="+mn-cs"/>
         </a:defRPr>
       </a:lvl6pPr>
-      <a:lvl7pPr marL="1836024" algn="l" defTabSz="612008" rtl="0" eaLnBrk="1" latinLnBrk="0" hangingPunct="1">
-        <a:defRPr sz="1205" kern="1200">
+      <a:lvl7pPr marL="1620134" algn="l" defTabSz="540045" rtl="0" eaLnBrk="1" latinLnBrk="0" hangingPunct="1">
+        <a:defRPr sz="1063" kern="1200">
           <a:solidFill>
             <a:schemeClr val="tx1"/>
           </a:solidFill>
@@ -2924,8 +2929,8 @@
           <a:cs typeface="+mn-cs"/>
         </a:defRPr>
       </a:lvl7pPr>
-      <a:lvl8pPr marL="2142028" algn="l" defTabSz="612008" rtl="0" eaLnBrk="1" latinLnBrk="0" hangingPunct="1">
-        <a:defRPr sz="1205" kern="1200">
+      <a:lvl8pPr marL="1890156" algn="l" defTabSz="540045" rtl="0" eaLnBrk="1" latinLnBrk="0" hangingPunct="1">
+        <a:defRPr sz="1063" kern="1200">
           <a:solidFill>
             <a:schemeClr val="tx1"/>
           </a:solidFill>
@@ -2934,8 +2939,8 @@
           <a:cs typeface="+mn-cs"/>
         </a:defRPr>
       </a:lvl8pPr>
-      <a:lvl9pPr marL="2448032" algn="l" defTabSz="612008" rtl="0" eaLnBrk="1" latinLnBrk="0" hangingPunct="1">
-        <a:defRPr sz="1205" kern="1200">
+      <a:lvl9pPr marL="2160179" algn="l" defTabSz="540045" rtl="0" eaLnBrk="1" latinLnBrk="0" hangingPunct="1">
+        <a:defRPr sz="1063" kern="1200">
           <a:solidFill>
             <a:schemeClr val="tx1"/>
           </a:solidFill>
@@ -2980,7 +2985,7 @@
         </p:nvSpPr>
         <p:spPr>
           <a:xfrm>
-            <a:off x="2975231" y="2265539"/>
+            <a:off x="2615663" y="2265539"/>
             <a:ext cx="301841" cy="2032986"/>
           </a:xfrm>
           <a:prstGeom prst="rect">
@@ -3037,7 +3042,7 @@
         </p:nvSpPr>
         <p:spPr>
           <a:xfrm>
-            <a:off x="2921967" y="1502059"/>
+            <a:off x="2562399" y="1502059"/>
             <a:ext cx="399495" cy="763480"/>
           </a:xfrm>
           <a:prstGeom prst="rect">
@@ -3094,7 +3099,7 @@
         </p:nvSpPr>
         <p:spPr>
           <a:xfrm>
-            <a:off x="3321460" y="1432149"/>
+            <a:off x="2961891" y="1432150"/>
             <a:ext cx="97654" cy="903303"/>
           </a:xfrm>
           <a:prstGeom prst="rect">
@@ -3151,7 +3156,7 @@
         </p:nvSpPr>
         <p:spPr>
           <a:xfrm>
-            <a:off x="2824311" y="1432149"/>
+            <a:off x="2464742" y="1432150"/>
             <a:ext cx="97654" cy="903303"/>
           </a:xfrm>
           <a:prstGeom prst="rect">
@@ -3208,7 +3213,7 @@
         </p:nvSpPr>
         <p:spPr>
           <a:xfrm>
-            <a:off x="2278332" y="1748414"/>
+            <a:off x="1918763" y="1748414"/>
             <a:ext cx="541540" cy="204186"/>
           </a:xfrm>
           <a:prstGeom prst="rect">
@@ -3265,7 +3270,7 @@
         </p:nvSpPr>
         <p:spPr>
           <a:xfrm>
-            <a:off x="1723941" y="1220193"/>
+            <a:off x="1364373" y="1220194"/>
             <a:ext cx="545797" cy="3693111"/>
           </a:xfrm>
           <a:prstGeom prst="rect">
@@ -3321,7 +3326,7 @@
         </p:nvSpPr>
         <p:spPr>
           <a:xfrm>
-            <a:off x="678592" y="1290105"/>
+            <a:off x="319023" y="1290105"/>
             <a:ext cx="1040908" cy="1120806"/>
           </a:xfrm>
           <a:prstGeom prst="rect">
@@ -3381,7 +3386,7 @@
         </p:nvSpPr>
         <p:spPr>
           <a:xfrm rot="5400000">
-            <a:off x="2933290" y="3703954"/>
+            <a:off x="2573721" y="3703955"/>
             <a:ext cx="430570" cy="2849271"/>
           </a:xfrm>
           <a:prstGeom prst="rect">
@@ -3437,7 +3442,7 @@
         </p:nvSpPr>
         <p:spPr>
           <a:xfrm>
-            <a:off x="3530961" y="4242701"/>
+            <a:off x="3171392" y="4242702"/>
             <a:ext cx="1036550" cy="670605"/>
           </a:xfrm>
           <a:prstGeom prst="rect">
@@ -3497,7 +3502,7 @@
         </p:nvCxnSpPr>
         <p:spPr>
           <a:xfrm>
-            <a:off x="3121714" y="509982"/>
+            <a:off x="2762146" y="509983"/>
             <a:ext cx="1" cy="992079"/>
           </a:xfrm>
           <a:prstGeom prst="line">
@@ -3536,14 +3541,13 @@
           </p:cNvPr>
           <p:cNvCxnSpPr>
             <a:cxnSpLocks/>
-            <a:stCxn id="65" idx="2"/>
           </p:cNvCxnSpPr>
           <p:nvPr/>
         </p:nvCxnSpPr>
         <p:spPr>
           <a:xfrm flipH="1" flipV="1">
-            <a:off x="1178610" y="598757"/>
-            <a:ext cx="1876522" cy="15188"/>
+            <a:off x="819043" y="598758"/>
+            <a:ext cx="1916243" cy="15097"/>
           </a:xfrm>
           <a:prstGeom prst="straightConnector1">
             <a:avLst/>
@@ -3587,7 +3591,7 @@
         </p:nvCxnSpPr>
         <p:spPr>
           <a:xfrm flipV="1">
-            <a:off x="1178610" y="598758"/>
+            <a:off x="819041" y="598759"/>
             <a:ext cx="0" cy="691349"/>
           </a:xfrm>
           <a:prstGeom prst="line">
@@ -3625,14 +3629,13 @@
           </p:cNvPr>
           <p:cNvCxnSpPr>
             <a:cxnSpLocks/>
-            <a:endCxn id="65" idx="6"/>
           </p:cNvCxnSpPr>
           <p:nvPr/>
         </p:nvCxnSpPr>
         <p:spPr>
           <a:xfrm flipH="1" flipV="1">
-            <a:off x="3188297" y="613945"/>
-            <a:ext cx="867022" cy="2780"/>
+            <a:off x="2789007" y="613855"/>
+            <a:ext cx="906745" cy="2871"/>
           </a:xfrm>
           <a:prstGeom prst="straightConnector1">
             <a:avLst/>
@@ -3676,7 +3679,7 @@
         </p:nvCxnSpPr>
         <p:spPr>
           <a:xfrm flipV="1">
-            <a:off x="4093271" y="598758"/>
+            <a:off x="3733702" y="598759"/>
             <a:ext cx="0" cy="3643943"/>
           </a:xfrm>
           <a:prstGeom prst="line">
@@ -3720,7 +3723,7 @@
         </p:nvCxnSpPr>
         <p:spPr>
           <a:xfrm>
-            <a:off x="3140578" y="4316279"/>
+            <a:off x="2781010" y="4316279"/>
             <a:ext cx="7999" cy="597024"/>
           </a:xfrm>
           <a:prstGeom prst="line">
@@ -3748,8 +3751,8 @@
           </a:fontRef>
         </p:style>
       </p:cxnSp>
-      <mc:AlternateContent xmlns:mc="http://schemas.openxmlformats.org/markup-compatibility/2006">
-        <mc:Choice xmlns:a14="http://schemas.microsoft.com/office/drawing/2010/main" Requires="a14">
+      <mc:AlternateContent xmlns:mc="http://schemas.openxmlformats.org/markup-compatibility/2006" xmlns:a14="http://schemas.microsoft.com/office/drawing/2010/main">
+        <mc:Choice Requires="a14">
           <p:sp>
             <p:nvSpPr>
               <p:cNvPr id="38" name="Textfeld 37">
@@ -3764,7 +3767,7 @@
             </p:nvSpPr>
             <p:spPr>
               <a:xfrm>
-                <a:off x="1961058" y="303789"/>
+                <a:off x="1601489" y="303790"/>
                 <a:ext cx="227050" cy="276999"/>
               </a:xfrm>
               <a:prstGeom prst="rect">
@@ -3778,6 +3781,7 @@
               </a:bodyPr>
               <a:lstStyle/>
               <a:p>
+                <a:pPr/>
                 <a14:m>
                   <m:oMathPara xmlns:m="http://schemas.openxmlformats.org/officeDocument/2006/math">
                     <m:oMathParaPr>
@@ -3817,7 +3821,7 @@
             </p:txBody>
           </p:sp>
         </mc:Choice>
-        <mc:Fallback>
+        <mc:Fallback xmlns="">
           <p:sp>
             <p:nvSpPr>
               <p:cNvPr id="38" name="Textfeld 37">
@@ -3834,7 +3838,7 @@
             </p:nvSpPr>
             <p:spPr>
               <a:xfrm>
-                <a:off x="1961058" y="303789"/>
+                <a:off x="1601489" y="303790"/>
                 <a:ext cx="227050" cy="276999"/>
               </a:xfrm>
               <a:prstGeom prst="rect">
@@ -3843,7 +3847,7 @@
               <a:blipFill>
                 <a:blip r:embed="rId2"/>
                 <a:stretch>
-                  <a:fillRect l="-26316" r="-5263" b="-13636"/>
+                  <a:fillRect l="-27778" r="-11111" b="-13636"/>
                 </a:stretch>
               </a:blipFill>
             </p:spPr>
@@ -3862,8 +3866,8 @@
           </p:sp>
         </mc:Fallback>
       </mc:AlternateContent>
-      <mc:AlternateContent xmlns:mc="http://schemas.openxmlformats.org/markup-compatibility/2006">
-        <mc:Choice xmlns:a14="http://schemas.microsoft.com/office/drawing/2010/main" Requires="a14">
+      <mc:AlternateContent xmlns:mc="http://schemas.openxmlformats.org/markup-compatibility/2006" xmlns:a14="http://schemas.microsoft.com/office/drawing/2010/main">
+        <mc:Choice Requires="a14">
           <p:sp>
             <p:nvSpPr>
               <p:cNvPr id="39" name="Textfeld 38">
@@ -3878,7 +3882,7 @@
             </p:nvSpPr>
             <p:spPr>
               <a:xfrm>
-                <a:off x="3530963" y="303789"/>
+                <a:off x="3123907" y="315340"/>
                 <a:ext cx="232371" cy="276999"/>
               </a:xfrm>
               <a:prstGeom prst="rect">
@@ -3892,6 +3896,7 @@
               </a:bodyPr>
               <a:lstStyle/>
               <a:p>
+                <a:pPr/>
                 <a14:m>
                   <m:oMathPara xmlns:m="http://schemas.openxmlformats.org/officeDocument/2006/math">
                     <m:oMathParaPr>
@@ -3931,7 +3936,7 @@
             </p:txBody>
           </p:sp>
         </mc:Choice>
-        <mc:Fallback>
+        <mc:Fallback xmlns="">
           <p:sp>
             <p:nvSpPr>
               <p:cNvPr id="39" name="Textfeld 38">
@@ -3948,7 +3953,7 @@
             </p:nvSpPr>
             <p:spPr>
               <a:xfrm>
-                <a:off x="3530963" y="303789"/>
+                <a:off x="3123907" y="315340"/>
                 <a:ext cx="232371" cy="276999"/>
               </a:xfrm>
               <a:prstGeom prst="rect">
@@ -3957,7 +3962,7 @@
               <a:blipFill>
                 <a:blip r:embed="rId3"/>
                 <a:stretch>
-                  <a:fillRect l="-20000" r="-5000" b="-13636"/>
+                  <a:fillRect l="-20000" r="-5000" b="-13043"/>
                 </a:stretch>
               </a:blipFill>
             </p:spPr>
@@ -3976,238 +3981,6 @@
           </p:sp>
         </mc:Fallback>
       </mc:AlternateContent>
-      <mc:AlternateContent xmlns:mc="http://schemas.openxmlformats.org/markup-compatibility/2006">
-        <mc:Choice xmlns:a14="http://schemas.microsoft.com/office/drawing/2010/main" Requires="a14">
-          <p:sp>
-            <p:nvSpPr>
-              <p:cNvPr id="40" name="Textfeld 39">
-                <a:extLst>
-                  <a:ext uri="{FF2B5EF4-FFF2-40B4-BE49-F238E27FC236}">
-                    <a16:creationId xmlns:a16="http://schemas.microsoft.com/office/drawing/2014/main" id="{B2AD1D40-FF30-0845-990A-710C93505273}"/>
-                  </a:ext>
-                </a:extLst>
-              </p:cNvPr>
-              <p:cNvSpPr txBox="1"/>
-              <p:nvPr/>
-            </p:nvSpPr>
-            <p:spPr>
-              <a:xfrm>
-                <a:off x="995048" y="2002073"/>
-                <a:ext cx="407997" cy="276999"/>
-              </a:xfrm>
-              <a:prstGeom prst="rect">
-                <a:avLst/>
-              </a:prstGeom>
-              <a:solidFill>
-                <a:schemeClr val="bg1"/>
-              </a:solidFill>
-            </p:spPr>
-            <p:txBody>
-              <a:bodyPr wrap="none" lIns="0" tIns="0" rIns="0" bIns="0" rtlCol="0">
-                <a:spAutoFit/>
-              </a:bodyPr>
-              <a:lstStyle/>
-              <a:p>
-                <a14:m>
-                  <m:oMathPara xmlns:m="http://schemas.openxmlformats.org/officeDocument/2006/math">
-                    <m:oMathParaPr>
-                      <m:jc m:val="centerGroup"/>
-                    </m:oMathParaPr>
-                    <m:oMath xmlns:m="http://schemas.openxmlformats.org/officeDocument/2006/math">
-                      <m:sSub>
-                        <m:sSubPr>
-                          <m:ctrlPr>
-                            <a:rPr lang="de-DE" i="1">
-                              <a:latin typeface="Cambria Math" panose="02040503050406030204" pitchFamily="18" charset="0"/>
-                            </a:rPr>
-                          </m:ctrlPr>
-                        </m:sSubPr>
-                        <m:e>
-                          <m:r>
-                            <a:rPr lang="de-DE" i="1">
-                              <a:latin typeface="Cambria Math" panose="02040503050406030204" pitchFamily="18" charset="0"/>
-                            </a:rPr>
-                            <m:t>𝑚</m:t>
-                          </m:r>
-                        </m:e>
-                        <m:sub>
-                          <m:r>
-                            <a:rPr lang="de-DE" i="1">
-                              <a:latin typeface="Cambria Math" panose="02040503050406030204" pitchFamily="18" charset="0"/>
-                            </a:rPr>
-                            <m:t>𝑀</m:t>
-                          </m:r>
-                        </m:sub>
-                      </m:sSub>
-                    </m:oMath>
-                  </m:oMathPara>
-                </a14:m>
-                <a:endParaRPr lang="de-DE" dirty="0"/>
-              </a:p>
-            </p:txBody>
-          </p:sp>
-        </mc:Choice>
-        <mc:Fallback>
-          <p:sp>
-            <p:nvSpPr>
-              <p:cNvPr id="40" name="Textfeld 39">
-                <a:extLst>
-                  <a:ext uri="{FF2B5EF4-FFF2-40B4-BE49-F238E27FC236}">
-                    <a16:creationId xmlns:a16="http://schemas.microsoft.com/office/drawing/2014/main" id="{B2AD1D40-FF30-0845-990A-710C93505273}"/>
-                  </a:ext>
-                </a:extLst>
-              </p:cNvPr>
-              <p:cNvSpPr txBox="1">
-                <a:spLocks noRot="1" noChangeAspect="1" noMove="1" noResize="1" noEditPoints="1" noAdjustHandles="1" noChangeArrowheads="1" noChangeShapeType="1" noTextEdit="1"/>
-              </p:cNvSpPr>
-              <p:nvPr/>
-            </p:nvSpPr>
-            <p:spPr>
-              <a:xfrm>
-                <a:off x="995048" y="2002073"/>
-                <a:ext cx="407997" cy="276999"/>
-              </a:xfrm>
-              <a:prstGeom prst="rect">
-                <a:avLst/>
-              </a:prstGeom>
-              <a:blipFill>
-                <a:blip r:embed="rId4"/>
-                <a:stretch>
-                  <a:fillRect l="-9091" r="-3030" b="-13043"/>
-                </a:stretch>
-              </a:blipFill>
-            </p:spPr>
-            <p:txBody>
-              <a:bodyPr/>
-              <a:lstStyle/>
-              <a:p>
-                <a:r>
-                  <a:rPr lang="de-DE">
-                    <a:noFill/>
-                  </a:rPr>
-                  <a:t> </a:t>
-                </a:r>
-              </a:p>
-            </p:txBody>
-          </p:sp>
-        </mc:Fallback>
-      </mc:AlternateContent>
-      <mc:AlternateContent xmlns:mc="http://schemas.openxmlformats.org/markup-compatibility/2006">
-        <mc:Choice xmlns:a14="http://schemas.microsoft.com/office/drawing/2010/main" Requires="a14">
-          <p:sp>
-            <p:nvSpPr>
-              <p:cNvPr id="41" name="Textfeld 40">
-                <a:extLst>
-                  <a:ext uri="{FF2B5EF4-FFF2-40B4-BE49-F238E27FC236}">
-                    <a16:creationId xmlns:a16="http://schemas.microsoft.com/office/drawing/2014/main" id="{83440D8E-08D9-3340-BD82-BAE118AE4DC1}"/>
-                  </a:ext>
-                </a:extLst>
-              </p:cNvPr>
-              <p:cNvSpPr txBox="1"/>
-              <p:nvPr/>
-            </p:nvSpPr>
-            <p:spPr>
-              <a:xfrm>
-                <a:off x="3920131" y="4600366"/>
-                <a:ext cx="374398" cy="276999"/>
-              </a:xfrm>
-              <a:prstGeom prst="rect">
-                <a:avLst/>
-              </a:prstGeom>
-              <a:solidFill>
-                <a:schemeClr val="bg1"/>
-              </a:solidFill>
-            </p:spPr>
-            <p:txBody>
-              <a:bodyPr wrap="none" lIns="0" tIns="0" rIns="0" bIns="0" rtlCol="0">
-                <a:spAutoFit/>
-              </a:bodyPr>
-              <a:lstStyle/>
-              <a:p>
-                <a14:m>
-                  <m:oMathPara xmlns:m="http://schemas.openxmlformats.org/officeDocument/2006/math">
-                    <m:oMathParaPr>
-                      <m:jc m:val="centerGroup"/>
-                    </m:oMathParaPr>
-                    <m:oMath xmlns:m="http://schemas.openxmlformats.org/officeDocument/2006/math">
-                      <m:sSub>
-                        <m:sSubPr>
-                          <m:ctrlPr>
-                            <a:rPr lang="de-DE" i="1">
-                              <a:latin typeface="Cambria Math" panose="02040503050406030204" pitchFamily="18" charset="0"/>
-                            </a:rPr>
-                          </m:ctrlPr>
-                        </m:sSubPr>
-                        <m:e>
-                          <m:r>
-                            <a:rPr lang="de-DE" i="1">
-                              <a:latin typeface="Cambria Math" panose="02040503050406030204" pitchFamily="18" charset="0"/>
-                            </a:rPr>
-                            <m:t>𝑚</m:t>
-                          </m:r>
-                        </m:e>
-                        <m:sub>
-                          <m:r>
-                            <a:rPr lang="de-DE" i="1">
-                              <a:latin typeface="Cambria Math" panose="02040503050406030204" pitchFamily="18" charset="0"/>
-                            </a:rPr>
-                            <m:t>𝐺</m:t>
-                          </m:r>
-                        </m:sub>
-                      </m:sSub>
-                    </m:oMath>
-                  </m:oMathPara>
-                </a14:m>
-                <a:endParaRPr lang="de-DE" dirty="0"/>
-              </a:p>
-            </p:txBody>
-          </p:sp>
-        </mc:Choice>
-        <mc:Fallback>
-          <p:sp>
-            <p:nvSpPr>
-              <p:cNvPr id="41" name="Textfeld 40">
-                <a:extLst>
-                  <a:ext uri="{FF2B5EF4-FFF2-40B4-BE49-F238E27FC236}">
-                    <a16:creationId xmlns:a16="http://schemas.microsoft.com/office/drawing/2014/main" id="{83440D8E-08D9-3340-BD82-BAE118AE4DC1}"/>
-                  </a:ext>
-                </a:extLst>
-              </p:cNvPr>
-              <p:cNvSpPr txBox="1">
-                <a:spLocks noRot="1" noChangeAspect="1" noMove="1" noResize="1" noEditPoints="1" noAdjustHandles="1" noChangeArrowheads="1" noChangeShapeType="1" noTextEdit="1"/>
-              </p:cNvSpPr>
-              <p:nvPr/>
-            </p:nvSpPr>
-            <p:spPr>
-              <a:xfrm>
-                <a:off x="3920131" y="4600366"/>
-                <a:ext cx="374398" cy="276999"/>
-              </a:xfrm>
-              <a:prstGeom prst="rect">
-                <a:avLst/>
-              </a:prstGeom>
-              <a:blipFill>
-                <a:blip r:embed="rId5"/>
-                <a:stretch>
-                  <a:fillRect l="-6667" r="-3333" b="-18182"/>
-                </a:stretch>
-              </a:blipFill>
-            </p:spPr>
-            <p:txBody>
-              <a:bodyPr/>
-              <a:lstStyle/>
-              <a:p>
-                <a:r>
-                  <a:rPr lang="de-DE">
-                    <a:noFill/>
-                  </a:rPr>
-                  <a:t> </a:t>
-                </a:r>
-              </a:p>
-            </p:txBody>
-          </p:sp>
-        </mc:Fallback>
-      </mc:AlternateContent>
       <p:sp>
         <p:nvSpPr>
           <p:cNvPr id="56" name="Textfeld 55">
@@ -4222,7 +3995,7 @@
         </p:nvSpPr>
         <p:spPr>
           <a:xfrm>
-            <a:off x="3629632" y="4245459"/>
+            <a:off x="3270063" y="4245459"/>
             <a:ext cx="957250" cy="369332"/>
           </a:xfrm>
           <a:prstGeom prst="rect">
@@ -4261,7 +4034,7 @@
         </p:nvSpPr>
         <p:spPr>
           <a:xfrm>
-            <a:off x="2882018" y="5343873"/>
+            <a:off x="2522450" y="5343873"/>
             <a:ext cx="557203" cy="916404"/>
           </a:xfrm>
           <a:prstGeom prst="downArrow">
@@ -4318,7 +4091,7 @@
         </p:nvSpPr>
         <p:spPr>
           <a:xfrm>
-            <a:off x="3296776" y="5528081"/>
+            <a:off x="2937207" y="5528081"/>
             <a:ext cx="557204" cy="369332"/>
           </a:xfrm>
           <a:prstGeom prst="rect">
@@ -4353,7 +4126,7 @@
         </p:nvSpPr>
         <p:spPr>
           <a:xfrm>
-            <a:off x="4563076" y="816026"/>
+            <a:off x="4203508" y="816026"/>
             <a:ext cx="280635" cy="322708"/>
           </a:xfrm>
           <a:prstGeom prst="uturnArrow">
@@ -4397,8 +4170,8 @@
           </a:p>
         </p:txBody>
       </p:sp>
-      <mc:AlternateContent xmlns:mc="http://schemas.openxmlformats.org/markup-compatibility/2006">
-        <mc:Choice xmlns:a14="http://schemas.microsoft.com/office/drawing/2010/main" Requires="a14">
+      <mc:AlternateContent xmlns:mc="http://schemas.openxmlformats.org/markup-compatibility/2006" xmlns:a14="http://schemas.microsoft.com/office/drawing/2010/main">
+        <mc:Choice Requires="a14">
           <p:sp>
             <p:nvSpPr>
               <p:cNvPr id="62" name="Textfeld 61">
@@ -4413,7 +4186,7 @@
             </p:nvSpPr>
             <p:spPr>
               <a:xfrm>
-                <a:off x="4896315" y="867521"/>
+                <a:off x="4536747" y="867522"/>
                 <a:ext cx="428835" cy="276999"/>
               </a:xfrm>
               <a:prstGeom prst="rect">
@@ -4427,6 +4200,7 @@
               </a:bodyPr>
               <a:lstStyle/>
               <a:p>
+                <a:pPr/>
                 <a14:m>
                   <m:oMathPara xmlns:m="http://schemas.openxmlformats.org/officeDocument/2006/math">
                     <m:oMathParaPr>
@@ -4453,7 +4227,7 @@
             </p:txBody>
           </p:sp>
         </mc:Choice>
-        <mc:Fallback>
+        <mc:Fallback xmlns="">
           <p:sp>
             <p:nvSpPr>
               <p:cNvPr id="62" name="Textfeld 61">
@@ -4470,14 +4244,14 @@
             </p:nvSpPr>
             <p:spPr>
               <a:xfrm>
-                <a:off x="4896315" y="867521"/>
+                <a:off x="4536747" y="867522"/>
                 <a:ext cx="428835" cy="276999"/>
               </a:xfrm>
               <a:prstGeom prst="rect">
                 <a:avLst/>
               </a:prstGeom>
               <a:blipFill>
-                <a:blip r:embed="rId6"/>
+                <a:blip r:embed="rId4"/>
                 <a:stretch>
                   <a:fillRect l="-2857" r="-8571" b="-4348"/>
                 </a:stretch>
@@ -4512,14 +4286,14 @@
         </p:nvSpPr>
         <p:spPr>
           <a:xfrm>
-            <a:off x="3055134" y="549700"/>
+            <a:off x="2695563" y="2192417"/>
             <a:ext cx="133165" cy="128493"/>
           </a:xfrm>
           <a:prstGeom prst="ellipse">
             <a:avLst/>
           </a:prstGeom>
           <a:solidFill>
-            <a:schemeClr val="tx1"/>
+            <a:srgbClr val="FF0000"/>
           </a:solidFill>
           <a:ln>
             <a:noFill/>
@@ -4550,8 +4324,8 @@
           </a:p>
         </p:txBody>
       </p:sp>
-      <mc:AlternateContent xmlns:mc="http://schemas.openxmlformats.org/markup-compatibility/2006">
-        <mc:Choice xmlns:a14="http://schemas.microsoft.com/office/drawing/2010/main" Requires="a14">
+      <mc:AlternateContent xmlns:mc="http://schemas.openxmlformats.org/markup-compatibility/2006" xmlns:a14="http://schemas.microsoft.com/office/drawing/2010/main">
+        <mc:Choice Requires="a14">
           <p:sp>
             <p:nvSpPr>
               <p:cNvPr id="70" name="Textfeld 69">
@@ -4566,7 +4340,7 @@
             </p:nvSpPr>
             <p:spPr>
               <a:xfrm>
-                <a:off x="3038609" y="215229"/>
+                <a:off x="2694236" y="1926170"/>
                 <a:ext cx="219932" cy="276999"/>
               </a:xfrm>
               <a:prstGeom prst="rect">
@@ -4580,6 +4354,7 @@
               </a:bodyPr>
               <a:lstStyle/>
               <a:p>
+                <a:pPr/>
                 <a14:m>
                   <m:oMathPara xmlns:m="http://schemas.openxmlformats.org/officeDocument/2006/math">
                     <m:oMathParaPr>
@@ -4588,6 +4363,9 @@
                     <m:oMath xmlns:m="http://schemas.openxmlformats.org/officeDocument/2006/math">
                       <m:r>
                         <a:rPr lang="de-DE" i="1">
+                          <a:solidFill>
+                            <a:srgbClr val="FF0000"/>
+                          </a:solidFill>
                           <a:latin typeface="Cambria Math" panose="02040503050406030204" pitchFamily="18" charset="0"/>
                         </a:rPr>
                         <m:t>𝐷</m:t>
@@ -4600,7 +4378,7 @@
             </p:txBody>
           </p:sp>
         </mc:Choice>
-        <mc:Fallback>
+        <mc:Fallback xmlns="">
           <p:sp>
             <p:nvSpPr>
               <p:cNvPr id="70" name="Textfeld 69">
@@ -4617,16 +4395,16 @@
             </p:nvSpPr>
             <p:spPr>
               <a:xfrm>
-                <a:off x="3038609" y="215229"/>
+                <a:off x="2694236" y="1926170"/>
                 <a:ext cx="219932" cy="276999"/>
               </a:xfrm>
               <a:prstGeom prst="rect">
                 <a:avLst/>
               </a:prstGeom>
               <a:blipFill>
-                <a:blip r:embed="rId7"/>
+                <a:blip r:embed="rId5"/>
                 <a:stretch>
-                  <a:fillRect l="-22222" r="-22222" b="-8696"/>
+                  <a:fillRect l="-27778" r="-16667" b="-4348"/>
                 </a:stretch>
               </a:blipFill>
             </p:spPr>
@@ -4659,7 +4437,7 @@
         </p:nvSpPr>
         <p:spPr>
           <a:xfrm flipH="1">
-            <a:off x="4552298" y="1265261"/>
+            <a:off x="4192730" y="1265261"/>
             <a:ext cx="291413" cy="322708"/>
           </a:xfrm>
           <a:prstGeom prst="uturnArrow">
@@ -4703,8 +4481,8 @@
           </a:p>
         </p:txBody>
       </p:sp>
-      <mc:AlternateContent xmlns:mc="http://schemas.openxmlformats.org/markup-compatibility/2006">
-        <mc:Choice xmlns:a14="http://schemas.microsoft.com/office/drawing/2010/main" Requires="a14">
+      <mc:AlternateContent xmlns:mc="http://schemas.openxmlformats.org/markup-compatibility/2006" xmlns:a14="http://schemas.microsoft.com/office/drawing/2010/main">
+        <mc:Choice Requires="a14">
           <p:sp>
             <p:nvSpPr>
               <p:cNvPr id="72" name="Textfeld 71">
@@ -4719,7 +4497,7 @@
             </p:nvSpPr>
             <p:spPr>
               <a:xfrm>
-                <a:off x="4895048" y="1329409"/>
+                <a:off x="4535480" y="1329410"/>
                 <a:ext cx="428835" cy="276999"/>
               </a:xfrm>
               <a:prstGeom prst="rect">
@@ -4733,6 +4511,7 @@
               </a:bodyPr>
               <a:lstStyle/>
               <a:p>
+                <a:pPr/>
                 <a14:m>
                   <m:oMathPara xmlns:m="http://schemas.openxmlformats.org/officeDocument/2006/math">
                     <m:oMathParaPr>
@@ -4759,7 +4538,7 @@
             </p:txBody>
           </p:sp>
         </mc:Choice>
-        <mc:Fallback>
+        <mc:Fallback xmlns="">
           <p:sp>
             <p:nvSpPr>
               <p:cNvPr id="72" name="Textfeld 71">
@@ -4776,8 +4555,355 @@
             </p:nvSpPr>
             <p:spPr>
               <a:xfrm>
-                <a:off x="4895048" y="1329409"/>
+                <a:off x="4535480" y="1329410"/>
                 <a:ext cx="428835" cy="276999"/>
+              </a:xfrm>
+              <a:prstGeom prst="rect">
+                <a:avLst/>
+              </a:prstGeom>
+              <a:blipFill>
+                <a:blip r:embed="rId6"/>
+                <a:stretch>
+                  <a:fillRect l="-11765" r="-11765" b="-4348"/>
+                </a:stretch>
+              </a:blipFill>
+            </p:spPr>
+            <p:txBody>
+              <a:bodyPr/>
+              <a:lstStyle/>
+              <a:p>
+                <a:r>
+                  <a:rPr lang="de-DE">
+                    <a:noFill/>
+                  </a:rPr>
+                  <a:t> </a:t>
+                </a:r>
+              </a:p>
+            </p:txBody>
+          </p:sp>
+        </mc:Fallback>
+      </mc:AlternateContent>
+      <p:cxnSp>
+        <p:nvCxnSpPr>
+          <p:cNvPr id="19" name="Gerade Verbindung mit Pfeil 18">
+            <a:extLst>
+              <a:ext uri="{FF2B5EF4-FFF2-40B4-BE49-F238E27FC236}">
+                <a16:creationId xmlns:a16="http://schemas.microsoft.com/office/drawing/2014/main" id="{5FD745AB-6184-2A49-802F-52E2691C42B8}"/>
+              </a:ext>
+            </a:extLst>
+          </p:cNvPr>
+          <p:cNvCxnSpPr>
+            <a:cxnSpLocks/>
+            <a:stCxn id="10" idx="2"/>
+          </p:cNvCxnSpPr>
+          <p:nvPr/>
+        </p:nvCxnSpPr>
+        <p:spPr>
+          <a:xfrm>
+            <a:off x="839477" y="2410912"/>
+            <a:ext cx="0" cy="655837"/>
+          </a:xfrm>
+          <a:prstGeom prst="straightConnector1">
+            <a:avLst/>
+          </a:prstGeom>
+          <a:ln w="38100">
+            <a:solidFill>
+              <a:srgbClr val="FF0000"/>
+            </a:solidFill>
+            <a:tailEnd type="triangle"/>
+          </a:ln>
+        </p:spPr>
+        <p:style>
+          <a:lnRef idx="1">
+            <a:schemeClr val="accent1"/>
+          </a:lnRef>
+          <a:fillRef idx="0">
+            <a:schemeClr val="accent1"/>
+          </a:fillRef>
+          <a:effectRef idx="0">
+            <a:schemeClr val="accent1"/>
+          </a:effectRef>
+          <a:fontRef idx="minor">
+            <a:schemeClr val="tx1"/>
+          </a:fontRef>
+        </p:style>
+      </p:cxnSp>
+      <mc:AlternateContent xmlns:mc="http://schemas.openxmlformats.org/markup-compatibility/2006">
+        <mc:Choice xmlns:a14="http://schemas.microsoft.com/office/drawing/2010/main" Requires="a14">
+          <p:sp>
+            <p:nvSpPr>
+              <p:cNvPr id="42" name="Textfeld 41">
+                <a:extLst>
+                  <a:ext uri="{FF2B5EF4-FFF2-40B4-BE49-F238E27FC236}">
+                    <a16:creationId xmlns:a16="http://schemas.microsoft.com/office/drawing/2014/main" id="{5EEBFA76-F35C-4B42-BED2-5FA1A0EF1762}"/>
+                  </a:ext>
+                </a:extLst>
+              </p:cNvPr>
+              <p:cNvSpPr txBox="1"/>
+              <p:nvPr/>
+            </p:nvSpPr>
+            <p:spPr>
+              <a:xfrm>
+                <a:off x="287005" y="2480822"/>
+                <a:ext cx="483081" cy="289182"/>
+              </a:xfrm>
+              <a:prstGeom prst="rect">
+                <a:avLst/>
+              </a:prstGeom>
+              <a:solidFill>
+                <a:schemeClr val="bg1"/>
+              </a:solidFill>
+            </p:spPr>
+            <p:txBody>
+              <a:bodyPr wrap="none" lIns="0" tIns="0" rIns="0" bIns="0" rtlCol="0">
+                <a:spAutoFit/>
+              </a:bodyPr>
+              <a:lstStyle/>
+              <a:p>
+                <a:pPr/>
+                <a14:m>
+                  <m:oMathPara xmlns:m="http://schemas.openxmlformats.org/officeDocument/2006/math">
+                    <m:oMathParaPr>
+                      <m:jc m:val="centerGroup"/>
+                    </m:oMathParaPr>
+                    <m:oMath xmlns:m="http://schemas.openxmlformats.org/officeDocument/2006/math">
+                      <m:sSub>
+                        <m:sSubPr>
+                          <m:ctrlPr>
+                            <a:rPr lang="de-DE" i="1" smtClean="0">
+                              <a:latin typeface="Cambria Math" panose="02040503050406030204" pitchFamily="18" charset="0"/>
+                            </a:rPr>
+                          </m:ctrlPr>
+                        </m:sSubPr>
+                        <m:e>
+                          <m:r>
+                            <a:rPr lang="de-DE" i="1">
+                              <a:latin typeface="Cambria Math" panose="02040503050406030204" pitchFamily="18" charset="0"/>
+                            </a:rPr>
+                            <m:t>𝐹</m:t>
+                          </m:r>
+                        </m:e>
+                        <m:sub>
+                          <m:r>
+                            <a:rPr lang="de-DE" b="0" i="1" smtClean="0">
+                              <a:latin typeface="Cambria Math" panose="02040503050406030204" pitchFamily="18" charset="0"/>
+                            </a:rPr>
+                            <m:t>𝐺</m:t>
+                          </m:r>
+                          <m:r>
+                            <a:rPr lang="de-DE" b="0" i="1" smtClean="0">
+                              <a:latin typeface="Cambria Math" panose="02040503050406030204" pitchFamily="18" charset="0"/>
+                            </a:rPr>
+                            <m:t>,</m:t>
+                          </m:r>
+                          <m:r>
+                            <a:rPr lang="de-DE" i="1">
+                              <a:latin typeface="Cambria Math" panose="02040503050406030204" pitchFamily="18" charset="0"/>
+                            </a:rPr>
+                            <m:t>𝑀</m:t>
+                          </m:r>
+                        </m:sub>
+                      </m:sSub>
+                    </m:oMath>
+                  </m:oMathPara>
+                </a14:m>
+                <a:endParaRPr lang="de-DE" dirty="0"/>
+              </a:p>
+            </p:txBody>
+          </p:sp>
+        </mc:Choice>
+        <mc:Fallback>
+          <p:sp>
+            <p:nvSpPr>
+              <p:cNvPr id="42" name="Textfeld 41">
+                <a:extLst>
+                  <a:ext uri="{FF2B5EF4-FFF2-40B4-BE49-F238E27FC236}">
+                    <a16:creationId xmlns:a16="http://schemas.microsoft.com/office/drawing/2014/main" id="{5EEBFA76-F35C-4B42-BED2-5FA1A0EF1762}"/>
+                  </a:ext>
+                </a:extLst>
+              </p:cNvPr>
+              <p:cNvSpPr txBox="1">
+                <a:spLocks noRot="1" noChangeAspect="1" noMove="1" noResize="1" noEditPoints="1" noAdjustHandles="1" noChangeArrowheads="1" noChangeShapeType="1" noTextEdit="1"/>
+              </p:cNvSpPr>
+              <p:nvPr/>
+            </p:nvSpPr>
+            <p:spPr>
+              <a:xfrm>
+                <a:off x="287005" y="2480822"/>
+                <a:ext cx="483081" cy="289182"/>
+              </a:xfrm>
+              <a:prstGeom prst="rect">
+                <a:avLst/>
+              </a:prstGeom>
+              <a:blipFill>
+                <a:blip r:embed="rId7"/>
+                <a:stretch>
+                  <a:fillRect l="-10256" r="-2564" b="-13043"/>
+                </a:stretch>
+              </a:blipFill>
+            </p:spPr>
+            <p:txBody>
+              <a:bodyPr/>
+              <a:lstStyle/>
+              <a:p>
+                <a:r>
+                  <a:rPr lang="de-DE">
+                    <a:noFill/>
+                  </a:rPr>
+                  <a:t> </a:t>
+                </a:r>
+              </a:p>
+            </p:txBody>
+          </p:sp>
+        </mc:Fallback>
+      </mc:AlternateContent>
+      <p:cxnSp>
+        <p:nvCxnSpPr>
+          <p:cNvPr id="43" name="Gerade Verbindung mit Pfeil 42">
+            <a:extLst>
+              <a:ext uri="{FF2B5EF4-FFF2-40B4-BE49-F238E27FC236}">
+                <a16:creationId xmlns:a16="http://schemas.microsoft.com/office/drawing/2014/main" id="{D3E09D6E-6C1F-694C-B2D2-123BE72B5AD6}"/>
+              </a:ext>
+            </a:extLst>
+          </p:cNvPr>
+          <p:cNvCxnSpPr>
+            <a:cxnSpLocks/>
+          </p:cNvCxnSpPr>
+          <p:nvPr/>
+        </p:nvCxnSpPr>
+        <p:spPr>
+          <a:xfrm>
+            <a:off x="3705888" y="4913303"/>
+            <a:ext cx="0" cy="888772"/>
+          </a:xfrm>
+          <a:prstGeom prst="straightConnector1">
+            <a:avLst/>
+          </a:prstGeom>
+          <a:ln w="38100">
+            <a:solidFill>
+              <a:srgbClr val="FF0000"/>
+            </a:solidFill>
+            <a:tailEnd type="triangle"/>
+          </a:ln>
+        </p:spPr>
+        <p:style>
+          <a:lnRef idx="1">
+            <a:schemeClr val="accent1"/>
+          </a:lnRef>
+          <a:fillRef idx="0">
+            <a:schemeClr val="accent1"/>
+          </a:fillRef>
+          <a:effectRef idx="0">
+            <a:schemeClr val="accent1"/>
+          </a:effectRef>
+          <a:fontRef idx="minor">
+            <a:schemeClr val="tx1"/>
+          </a:fontRef>
+        </p:style>
+      </p:cxnSp>
+      <mc:AlternateContent xmlns:mc="http://schemas.openxmlformats.org/markup-compatibility/2006">
+        <mc:Choice xmlns:a14="http://schemas.microsoft.com/office/drawing/2010/main" Requires="a14">
+          <p:sp>
+            <p:nvSpPr>
+              <p:cNvPr id="44" name="Textfeld 43">
+                <a:extLst>
+                  <a:ext uri="{FF2B5EF4-FFF2-40B4-BE49-F238E27FC236}">
+                    <a16:creationId xmlns:a16="http://schemas.microsoft.com/office/drawing/2014/main" id="{74063087-3FEC-A547-AF1D-8DF198F52EEA}"/>
+                  </a:ext>
+                </a:extLst>
+              </p:cNvPr>
+              <p:cNvSpPr txBox="1"/>
+              <p:nvPr/>
+            </p:nvSpPr>
+            <p:spPr>
+              <a:xfrm>
+                <a:off x="3777831" y="5428384"/>
+                <a:ext cx="449482" cy="289182"/>
+              </a:xfrm>
+              <a:prstGeom prst="rect">
+                <a:avLst/>
+              </a:prstGeom>
+              <a:solidFill>
+                <a:schemeClr val="bg1"/>
+              </a:solidFill>
+            </p:spPr>
+            <p:txBody>
+              <a:bodyPr wrap="none" lIns="0" tIns="0" rIns="0" bIns="0" rtlCol="0">
+                <a:spAutoFit/>
+              </a:bodyPr>
+              <a:lstStyle/>
+              <a:p>
+                <a:pPr/>
+                <a14:m>
+                  <m:oMathPara xmlns:m="http://schemas.openxmlformats.org/officeDocument/2006/math">
+                    <m:oMathParaPr>
+                      <m:jc m:val="centerGroup"/>
+                    </m:oMathParaPr>
+                    <m:oMath xmlns:m="http://schemas.openxmlformats.org/officeDocument/2006/math">
+                      <m:sSub>
+                        <m:sSubPr>
+                          <m:ctrlPr>
+                            <a:rPr lang="de-DE" i="1" smtClean="0">
+                              <a:latin typeface="Cambria Math" panose="02040503050406030204" pitchFamily="18" charset="0"/>
+                            </a:rPr>
+                          </m:ctrlPr>
+                        </m:sSubPr>
+                        <m:e>
+                          <m:r>
+                            <a:rPr lang="de-DE" i="1">
+                              <a:latin typeface="Cambria Math" panose="02040503050406030204" pitchFamily="18" charset="0"/>
+                            </a:rPr>
+                            <m:t>𝐹</m:t>
+                          </m:r>
+                        </m:e>
+                        <m:sub>
+                          <m:r>
+                            <a:rPr lang="de-DE" i="1">
+                              <a:latin typeface="Cambria Math" panose="02040503050406030204" pitchFamily="18" charset="0"/>
+                            </a:rPr>
+                            <m:t>𝐺</m:t>
+                          </m:r>
+                          <m:r>
+                            <a:rPr lang="de-DE" b="0" i="1" smtClean="0">
+                              <a:latin typeface="Cambria Math" panose="02040503050406030204" pitchFamily="18" charset="0"/>
+                            </a:rPr>
+                            <m:t>,</m:t>
+                          </m:r>
+                          <m:r>
+                            <a:rPr lang="de-DE" b="0" i="1" smtClean="0">
+                              <a:latin typeface="Cambria Math" panose="02040503050406030204" pitchFamily="18" charset="0"/>
+                            </a:rPr>
+                            <m:t>𝐺</m:t>
+                          </m:r>
+                        </m:sub>
+                      </m:sSub>
+                    </m:oMath>
+                  </m:oMathPara>
+                </a14:m>
+                <a:endParaRPr lang="de-DE" dirty="0"/>
+              </a:p>
+            </p:txBody>
+          </p:sp>
+        </mc:Choice>
+        <mc:Fallback>
+          <p:sp>
+            <p:nvSpPr>
+              <p:cNvPr id="44" name="Textfeld 43">
+                <a:extLst>
+                  <a:ext uri="{FF2B5EF4-FFF2-40B4-BE49-F238E27FC236}">
+                    <a16:creationId xmlns:a16="http://schemas.microsoft.com/office/drawing/2014/main" id="{74063087-3FEC-A547-AF1D-8DF198F52EEA}"/>
+                  </a:ext>
+                </a:extLst>
+              </p:cNvPr>
+              <p:cNvSpPr txBox="1">
+                <a:spLocks noRot="1" noChangeAspect="1" noMove="1" noResize="1" noEditPoints="1" noAdjustHandles="1" noChangeArrowheads="1" noChangeShapeType="1" noTextEdit="1"/>
+              </p:cNvSpPr>
+              <p:nvPr/>
+            </p:nvSpPr>
+            <p:spPr>
+              <a:xfrm>
+                <a:off x="3777831" y="5428384"/>
+                <a:ext cx="449482" cy="289182"/>
               </a:xfrm>
               <a:prstGeom prst="rect">
                 <a:avLst/>
@@ -4785,7 +4911,7 @@
               <a:blipFill>
                 <a:blip r:embed="rId8"/>
                 <a:stretch>
-                  <a:fillRect l="-8571" r="-8571" b="-4348"/>
+                  <a:fillRect l="-11111" r="-2778" b="-8333"/>
                 </a:stretch>
               </a:blipFill>
             </p:spPr>
